--- a/TSCPPT_Addin/AppData/Template/Standard.pptx
+++ b/TSCPPT_Addin/AppData/Template/Standard.pptx
@@ -213,7 +213,7 @@
           <a:p>
             <a:fld id="{B28F0FF0-1CE7-473B-B642-708C1A93BFA2}" type="datetimeFigureOut">
               <a:rPr lang="en-GB" smtClean="0"/>
-              <a:t>28/02/2018</a:t>
+              <a:t>05/04/2018</a:t>
             </a:fld>
             <a:endParaRPr lang="en-GB"/>
           </a:p>
@@ -2335,7 +2335,7 @@
         <p:spPr>
           <a:xfrm>
             <a:off x="4743450" y="2095500"/>
-            <a:ext cx="685800" cy="674031"/>
+            <a:ext cx="685800" cy="597087"/>
           </a:xfrm>
           <a:prstGeom prst="rect">
             <a:avLst/>
@@ -2351,7 +2351,7 @@
                 <a:spcPts val="1200"/>
               </a:spcBef>
               <a:spcAft>
-                <a:spcPts val="600"/>
+                <a:spcPts val="0"/>
               </a:spcAft>
               <a:buNone/>
               <a:defRPr sz="1600" b="0">
@@ -4696,7 +4696,7 @@
           <a:p>
             <a:fld id="{58CC97F5-055A-4DE7-8E37-4F47BA25FFA4}" type="datetimeFigureOut">
               <a:rPr lang="en-US" smtClean="0"/>
-              <a:t>2/28/2018</a:t>
+              <a:t>4/5/2018</a:t>
             </a:fld>
             <a:endParaRPr lang="en-US"/>
           </a:p>
@@ -6656,11 +6656,20 @@
             <p:ph type="body" sz="quarter" idx="13"/>
           </p:nvPr>
         </p:nvSpPr>
-        <p:spPr/>
+        <p:spPr>
+          <a:xfrm>
+            <a:off x="371475" y="2095501"/>
+            <a:ext cx="4029075" cy="221599"/>
+          </a:xfrm>
+        </p:spPr>
         <p:txBody>
           <a:bodyPr/>
           <a:lstStyle/>
           <a:p>
+            <a:r>
+              <a:rPr lang="en-GB" dirty="0" smtClean="0"/>
+              <a:t> </a:t>
+            </a:r>
             <a:endParaRPr lang="en-GB" dirty="0"/>
           </a:p>
         </p:txBody>
@@ -6675,12 +6684,22 @@
             <p:ph type="body" sz="quarter" idx="15"/>
           </p:nvPr>
         </p:nvSpPr>
-        <p:spPr/>
+        <p:spPr>
+          <a:xfrm>
+            <a:off x="4743450" y="2095500"/>
+            <a:ext cx="685800" cy="221599"/>
+          </a:xfrm>
+        </p:spPr>
         <p:txBody>
           <a:bodyPr/>
           <a:lstStyle/>
           <a:p>
-            <a:endParaRPr lang="en-GB"/>
+            <a:pPr>
+              <a:spcAft>
+                <a:spcPts val="0"/>
+              </a:spcAft>
+            </a:pPr>
+            <a:endParaRPr lang="en-GB" dirty="0"/>
           </a:p>
         </p:txBody>
       </p:sp>

--- a/TSCPPT_Addin/AppData/Template/Standard.pptx
+++ b/TSCPPT_Addin/AppData/Template/Standard.pptx
@@ -5,17 +5,21 @@
     <p:sldMasterId id="2147483660" r:id="rId1"/>
   </p:sldMasterIdLst>
   <p:notesMasterIdLst>
-    <p:notesMasterId r:id="rId8"/>
+    <p:notesMasterId r:id="rId12"/>
   </p:notesMasterIdLst>
   <p:sldIdLst>
-    <p:sldId id="256" r:id="rId2"/>
+    <p:sldId id="263" r:id="rId2"/>
     <p:sldId id="258" r:id="rId3"/>
     <p:sldId id="262" r:id="rId4"/>
     <p:sldId id="259" r:id="rId5"/>
     <p:sldId id="260" r:id="rId6"/>
-    <p:sldId id="261" r:id="rId7"/>
+    <p:sldId id="264" r:id="rId7"/>
+    <p:sldId id="265" r:id="rId8"/>
+    <p:sldId id="266" r:id="rId9"/>
+    <p:sldId id="267" r:id="rId10"/>
+    <p:sldId id="261" r:id="rId11"/>
   </p:sldIdLst>
-  <p:sldSz cx="9144000" cy="6858000" type="screen4x3"/>
+  <p:sldSz cx="12188825" cy="6858000"/>
   <p:notesSz cx="6858000" cy="9144000"/>
   <p:defaultTextStyle>
     <a:defPPr>
@@ -114,13 +118,18 @@
   </p:defaultTextStyle>
   <p:extLst>
     <p:ext uri="{EFAFB233-063F-42B5-8137-9DF3F51BA10A}">
-      <p15:sldGuideLst xmlns:p15="http://schemas.microsoft.com/office/powerpoint/2012/main" xmlns="">
+      <p15:sldGuideLst xmlns:p15="http://schemas.microsoft.com/office/powerpoint/2012/main">
         <p15:guide id="1" orient="horz" pos="2160">
           <p15:clr>
             <a:srgbClr val="A4A3A4"/>
           </p15:clr>
         </p15:guide>
         <p15:guide id="2" pos="2880">
+          <p15:clr>
+            <a:srgbClr val="A4A3A4"/>
+          </p15:clr>
+        </p15:guide>
+        <p15:guide id="3" pos="3839">
           <p15:clr>
             <a:srgbClr val="A4A3A4"/>
           </p15:clr>
@@ -213,7 +222,7 @@
           <a:p>
             <a:fld id="{B28F0FF0-1CE7-473B-B642-708C1A93BFA2}" type="datetimeFigureOut">
               <a:rPr lang="en-GB" smtClean="0"/>
-              <a:t>05/04/2018</a:t>
+              <a:t>29/06/2018</a:t>
             </a:fld>
             <a:endParaRPr lang="en-GB"/>
           </a:p>
@@ -231,8 +240,8 @@
         </p:nvSpPr>
         <p:spPr>
           <a:xfrm>
-            <a:off x="1143000" y="685800"/>
-            <a:ext cx="4572000" cy="3429000"/>
+            <a:off x="382588" y="685800"/>
+            <a:ext cx="6092825" cy="3429000"/>
           </a:xfrm>
           <a:prstGeom prst="rect">
             <a:avLst/>
@@ -508,7 +517,12 @@
             <p:ph type="sldImg"/>
           </p:nvPr>
         </p:nvSpPr>
-        <p:spPr/>
+        <p:spPr>
+          <a:xfrm>
+            <a:off x="382588" y="685800"/>
+            <a:ext cx="6092825" cy="3429000"/>
+          </a:xfrm>
+        </p:spPr>
       </p:sp>
       <p:sp>
         <p:nvSpPr>
@@ -546,7 +560,7 @@
           <a:p>
             <a:fld id="{1C4E8535-7B17-4025-AE8A-E3740226CD6B}" type="slidenum">
               <a:rPr lang="en-GB" smtClean="0"/>
-              <a:t>1</a:t>
+              <a:t>2</a:t>
             </a:fld>
             <a:endParaRPr lang="en-GB"/>
           </a:p>
@@ -555,7 +569,7 @@
     </p:spTree>
     <p:extLst>
       <p:ext uri="{BB962C8B-B14F-4D97-AF65-F5344CB8AC3E}">
-        <p14:creationId xmlns:p14="http://schemas.microsoft.com/office/powerpoint/2010/main" val="4205559701"/>
+        <p14:creationId xmlns:p14="http://schemas.microsoft.com/office/powerpoint/2010/main" val="933926284"/>
       </p:ext>
     </p:extLst>
   </p:cSld>
@@ -592,7 +606,12 @@
             <p:ph type="sldImg"/>
           </p:nvPr>
         </p:nvSpPr>
-        <p:spPr/>
+        <p:spPr>
+          <a:xfrm>
+            <a:off x="382588" y="685800"/>
+            <a:ext cx="6092825" cy="3429000"/>
+          </a:xfrm>
+        </p:spPr>
       </p:sp>
       <p:sp>
         <p:nvSpPr>
@@ -630,7 +649,7 @@
           <a:p>
             <a:fld id="{1C4E8535-7B17-4025-AE8A-E3740226CD6B}" type="slidenum">
               <a:rPr lang="en-GB" smtClean="0"/>
-              <a:t>2</a:t>
+              <a:t>4</a:t>
             </a:fld>
             <a:endParaRPr lang="en-GB"/>
           </a:p>
@@ -639,7 +658,7 @@
     </p:spTree>
     <p:extLst>
       <p:ext uri="{BB962C8B-B14F-4D97-AF65-F5344CB8AC3E}">
-        <p14:creationId xmlns:p14="http://schemas.microsoft.com/office/powerpoint/2010/main" val="933926284"/>
+        <p14:creationId xmlns:p14="http://schemas.microsoft.com/office/powerpoint/2010/main" val="175688996"/>
       </p:ext>
     </p:extLst>
   </p:cSld>
@@ -676,7 +695,12 @@
             <p:ph type="sldImg"/>
           </p:nvPr>
         </p:nvSpPr>
-        <p:spPr/>
+        <p:spPr>
+          <a:xfrm>
+            <a:off x="382588" y="685800"/>
+            <a:ext cx="6092825" cy="3429000"/>
+          </a:xfrm>
+        </p:spPr>
       </p:sp>
       <p:sp>
         <p:nvSpPr>
@@ -714,7 +738,7 @@
           <a:p>
             <a:fld id="{1C4E8535-7B17-4025-AE8A-E3740226CD6B}" type="slidenum">
               <a:rPr lang="en-GB" smtClean="0"/>
-              <a:t>4</a:t>
+              <a:t>5</a:t>
             </a:fld>
             <a:endParaRPr lang="en-GB"/>
           </a:p>
@@ -723,7 +747,7 @@
     </p:spTree>
     <p:extLst>
       <p:ext uri="{BB962C8B-B14F-4D97-AF65-F5344CB8AC3E}">
-        <p14:creationId xmlns:p14="http://schemas.microsoft.com/office/powerpoint/2010/main" val="175688996"/>
+        <p14:creationId xmlns:p14="http://schemas.microsoft.com/office/powerpoint/2010/main" val="2277107680"/>
       </p:ext>
     </p:extLst>
   </p:cSld>
@@ -760,7 +784,12 @@
             <p:ph type="sldImg"/>
           </p:nvPr>
         </p:nvSpPr>
-        <p:spPr/>
+        <p:spPr>
+          <a:xfrm>
+            <a:off x="382588" y="685800"/>
+            <a:ext cx="6092825" cy="3429000"/>
+          </a:xfrm>
+        </p:spPr>
       </p:sp>
       <p:sp>
         <p:nvSpPr>
@@ -798,91 +827,7 @@
           <a:p>
             <a:fld id="{1C4E8535-7B17-4025-AE8A-E3740226CD6B}" type="slidenum">
               <a:rPr lang="en-GB" smtClean="0"/>
-              <a:t>5</a:t>
-            </a:fld>
-            <a:endParaRPr lang="en-GB"/>
-          </a:p>
-        </p:txBody>
-      </p:sp>
-    </p:spTree>
-    <p:extLst>
-      <p:ext uri="{BB962C8B-B14F-4D97-AF65-F5344CB8AC3E}">
-        <p14:creationId xmlns:p14="http://schemas.microsoft.com/office/powerpoint/2010/main" val="2277107680"/>
-      </p:ext>
-    </p:extLst>
-  </p:cSld>
-  <p:clrMapOvr>
-    <a:masterClrMapping/>
-  </p:clrMapOvr>
-</p:notes>
-</file>
-
-<file path=ppt/notesSlides/notesSlide5.xml><?xml version="1.0" encoding="utf-8"?>
-<p:notes xmlns:a="http://schemas.openxmlformats.org/drawingml/2006/main" xmlns:r="http://schemas.openxmlformats.org/officeDocument/2006/relationships" xmlns:p="http://schemas.openxmlformats.org/presentationml/2006/main">
-  <p:cSld>
-    <p:spTree>
-      <p:nvGrpSpPr>
-        <p:cNvPr id="1" name=""/>
-        <p:cNvGrpSpPr/>
-        <p:nvPr/>
-      </p:nvGrpSpPr>
-      <p:grpSpPr>
-        <a:xfrm>
-          <a:off x="0" y="0"/>
-          <a:ext cx="0" cy="0"/>
-          <a:chOff x="0" y="0"/>
-          <a:chExt cx="0" cy="0"/>
-        </a:xfrm>
-      </p:grpSpPr>
-      <p:sp>
-        <p:nvSpPr>
-          <p:cNvPr id="2" name="Slide Image Placeholder 1"/>
-          <p:cNvSpPr>
-            <a:spLocks noGrp="1" noRot="1" noChangeAspect="1"/>
-          </p:cNvSpPr>
-          <p:nvPr>
-            <p:ph type="sldImg"/>
-          </p:nvPr>
-        </p:nvSpPr>
-        <p:spPr/>
-      </p:sp>
-      <p:sp>
-        <p:nvSpPr>
-          <p:cNvPr id="3" name="Notes Placeholder 2"/>
-          <p:cNvSpPr>
-            <a:spLocks noGrp="1"/>
-          </p:cNvSpPr>
-          <p:nvPr>
-            <p:ph type="body" idx="1"/>
-          </p:nvPr>
-        </p:nvSpPr>
-        <p:spPr/>
-        <p:txBody>
-          <a:bodyPr/>
-          <a:lstStyle/>
-          <a:p>
-            <a:endParaRPr lang="en-GB"/>
-          </a:p>
-        </p:txBody>
-      </p:sp>
-      <p:sp>
-        <p:nvSpPr>
-          <p:cNvPr id="4" name="Slide Number Placeholder 3"/>
-          <p:cNvSpPr>
-            <a:spLocks noGrp="1"/>
-          </p:cNvSpPr>
-          <p:nvPr>
-            <p:ph type="sldNum" sz="quarter" idx="10"/>
-          </p:nvPr>
-        </p:nvSpPr>
-        <p:spPr/>
-        <p:txBody>
-          <a:bodyPr/>
-          <a:lstStyle/>
-          <a:p>
-            <a:fld id="{1C4E8535-7B17-4025-AE8A-E3740226CD6B}" type="slidenum">
-              <a:rPr lang="en-GB" smtClean="0"/>
-              <a:t>6</a:t>
+              <a:t>10</a:t>
             </a:fld>
             <a:endParaRPr lang="en-GB"/>
           </a:p>
@@ -923,7 +868,7 @@
           <p:cNvPr id="2" name="Isosceles Triangle 1">
             <a:extLst>
               <a:ext uri="{FF2B5EF4-FFF2-40B4-BE49-F238E27FC236}">
-                <a16:creationId xmlns="" xmlns:a16="http://schemas.microsoft.com/office/drawing/2014/main" id="{B63F11C2-0AE0-4347-997D-77C5A14BCD75}"/>
+                <a16:creationId xmlns:a16="http://schemas.microsoft.com/office/drawing/2014/main" xmlns="" id="{B63F11C2-0AE0-4347-997D-77C5A14BCD75}"/>
               </a:ext>
             </a:extLst>
           </p:cNvPr>
@@ -932,8 +877,8 @@
         </p:nvSpPr>
         <p:spPr>
           <a:xfrm flipV="1">
-            <a:off x="2245996" y="-1"/>
-            <a:ext cx="6898004" cy="3055620"/>
+            <a:off x="2993881" y="-1"/>
+            <a:ext cx="9194944" cy="3055620"/>
           </a:xfrm>
           <a:prstGeom prst="triangle">
             <a:avLst>
@@ -977,7 +922,7 @@
           <p:cNvPr id="12" name="Freeform: Shape 11">
             <a:extLst>
               <a:ext uri="{FF2B5EF4-FFF2-40B4-BE49-F238E27FC236}">
-                <a16:creationId xmlns="" xmlns:a16="http://schemas.microsoft.com/office/drawing/2014/main" id="{D4DAAC2C-42BF-48C4-9A36-48F77513BC57}"/>
+                <a16:creationId xmlns:a16="http://schemas.microsoft.com/office/drawing/2014/main" xmlns="" id="{D4DAAC2C-42BF-48C4-9A36-48F77513BC57}"/>
               </a:ext>
             </a:extLst>
           </p:cNvPr>
@@ -987,7 +932,7 @@
         <p:spPr>
           <a:xfrm flipV="1">
             <a:off x="-1" y="-3"/>
-            <a:ext cx="9144000" cy="6858002"/>
+            <a:ext cx="12188825" cy="6858002"/>
           </a:xfrm>
           <a:custGeom>
             <a:avLst/>
@@ -1121,7 +1066,7 @@
           <p:cNvPr id="10" name="Isosceles Triangle 9">
             <a:extLst>
               <a:ext uri="{FF2B5EF4-FFF2-40B4-BE49-F238E27FC236}">
-                <a16:creationId xmlns="" xmlns:a16="http://schemas.microsoft.com/office/drawing/2014/main" id="{7E80BB48-A89D-48C2-8286-3701882FDB2E}"/>
+                <a16:creationId xmlns:a16="http://schemas.microsoft.com/office/drawing/2014/main" xmlns="" id="{7E80BB48-A89D-48C2-8286-3701882FDB2E}"/>
               </a:ext>
             </a:extLst>
           </p:cNvPr>
@@ -1130,8 +1075,8 @@
         </p:nvSpPr>
         <p:spPr>
           <a:xfrm>
-            <a:off x="3530009" y="1594885"/>
-            <a:ext cx="5613992" cy="5263116"/>
+            <a:off x="4705453" y="1594885"/>
+            <a:ext cx="7483373" cy="5263116"/>
           </a:xfrm>
           <a:prstGeom prst="triangle">
             <a:avLst>
@@ -1183,7 +1128,7 @@
           <p:cNvPr id="16" name="Title Placeholder 1">
             <a:extLst>
               <a:ext uri="{FF2B5EF4-FFF2-40B4-BE49-F238E27FC236}">
-                <a16:creationId xmlns="" xmlns:a16="http://schemas.microsoft.com/office/drawing/2014/main" id="{B9F9B4F9-E992-4404-8E0C-412738CF448A}"/>
+                <a16:creationId xmlns:a16="http://schemas.microsoft.com/office/drawing/2014/main" xmlns="" id="{B9F9B4F9-E992-4404-8E0C-412738CF448A}"/>
               </a:ext>
             </a:extLst>
           </p:cNvPr>
@@ -1196,8 +1141,8 @@
         </p:nvSpPr>
         <p:spPr>
           <a:xfrm>
-            <a:off x="845481" y="2442210"/>
-            <a:ext cx="5691600" cy="986790"/>
+            <a:off x="1127014" y="2442210"/>
+            <a:ext cx="7586824" cy="986790"/>
           </a:xfrm>
           <a:prstGeom prst="rect">
             <a:avLst/>
@@ -1230,7 +1175,7 @@
           <p:cNvPr id="20" name="Text Placeholder 19">
             <a:extLst>
               <a:ext uri="{FF2B5EF4-FFF2-40B4-BE49-F238E27FC236}">
-                <a16:creationId xmlns="" xmlns:a16="http://schemas.microsoft.com/office/drawing/2014/main" id="{729EF459-E157-450F-842C-20FFB10F4C08}"/>
+                <a16:creationId xmlns:a16="http://schemas.microsoft.com/office/drawing/2014/main" xmlns="" id="{729EF459-E157-450F-842C-20FFB10F4C08}"/>
               </a:ext>
             </a:extLst>
           </p:cNvPr>
@@ -1243,8 +1188,8 @@
         </p:nvSpPr>
         <p:spPr>
           <a:xfrm>
-            <a:off x="845344" y="1594886"/>
-            <a:ext cx="4183856" cy="381317"/>
+            <a:off x="1126832" y="1594887"/>
+            <a:ext cx="5577022" cy="381317"/>
           </a:xfrm>
           <a:prstGeom prst="rect">
             <a:avLst/>
@@ -1285,7 +1230,7 @@
           <p:cNvPr id="29" name="Text Placeholder 28">
             <a:extLst>
               <a:ext uri="{FF2B5EF4-FFF2-40B4-BE49-F238E27FC236}">
-                <a16:creationId xmlns="" xmlns:a16="http://schemas.microsoft.com/office/drawing/2014/main" id="{6D01AEBA-C392-427C-9062-70E0AF98CF8D}"/>
+                <a16:creationId xmlns:a16="http://schemas.microsoft.com/office/drawing/2014/main" xmlns="" id="{6D01AEBA-C392-427C-9062-70E0AF98CF8D}"/>
               </a:ext>
             </a:extLst>
           </p:cNvPr>
@@ -1298,8 +1243,8 @@
         </p:nvSpPr>
         <p:spPr>
           <a:xfrm>
-            <a:off x="845344" y="4415607"/>
-            <a:ext cx="3422596" cy="284163"/>
+            <a:off x="1126832" y="4415608"/>
+            <a:ext cx="4562273" cy="284163"/>
           </a:xfrm>
           <a:prstGeom prst="rect">
             <a:avLst/>
@@ -1350,8 +1295,8 @@
         </p:blipFill>
         <p:spPr>
           <a:xfrm>
-            <a:off x="6990903" y="950401"/>
-            <a:ext cx="1371600" cy="644671"/>
+            <a:off x="9318776" y="950402"/>
+            <a:ext cx="1828324" cy="644671"/>
           </a:xfrm>
           <a:prstGeom prst="rect">
             <a:avLst/>
@@ -1368,6 +1313,398 @@
   <p:clrMapOvr>
     <a:masterClrMapping/>
   </p:clrMapOvr>
+</p:sldLayout>
+</file>
+
+<file path=ppt/slideLayouts/slideLayout10.xml><?xml version="1.0" encoding="utf-8"?>
+<p:sldLayout xmlns:a="http://schemas.openxmlformats.org/drawingml/2006/main" xmlns:r="http://schemas.openxmlformats.org/officeDocument/2006/relationships" xmlns:p="http://schemas.openxmlformats.org/presentationml/2006/main">
+  <p:cSld name="One Chart One Column Horizontal">
+    <p:spTree>
+      <p:nvGrpSpPr>
+        <p:cNvPr id="1" name=""/>
+        <p:cNvGrpSpPr/>
+        <p:nvPr/>
+      </p:nvGrpSpPr>
+      <p:grpSpPr>
+        <a:xfrm>
+          <a:off x="0" y="0"/>
+          <a:ext cx="0" cy="0"/>
+          <a:chOff x="0" y="0"/>
+          <a:chExt cx="0" cy="0"/>
+        </a:xfrm>
+      </p:grpSpPr>
+      <p:sp>
+        <p:nvSpPr>
+          <p:cNvPr id="3" name="Chart Placeholder 2"/>
+          <p:cNvSpPr>
+            <a:spLocks noGrp="1"/>
+          </p:cNvSpPr>
+          <p:nvPr>
+            <p:ph type="chart" sz="quarter" idx="14"/>
+          </p:nvPr>
+        </p:nvSpPr>
+        <p:spPr>
+          <a:xfrm>
+            <a:off x="495171" y="1600200"/>
+            <a:ext cx="11197583" cy="2196000"/>
+          </a:xfrm>
+        </p:spPr>
+        <p:txBody>
+          <a:bodyPr/>
+          <a:lstStyle/>
+          <a:p>
+            <a:r>
+              <a:rPr lang="en-US" smtClean="0"/>
+              <a:t>Click icon to add chart</a:t>
+            </a:r>
+            <a:endParaRPr lang="en-IN"/>
+          </a:p>
+        </p:txBody>
+      </p:sp>
+      <p:sp>
+        <p:nvSpPr>
+          <p:cNvPr id="5" name="Title Placeholder 1">
+            <a:extLst>
+              <a:ext uri="{FF2B5EF4-FFF2-40B4-BE49-F238E27FC236}">
+                <a16:creationId xmlns="" xmlns:a16="http://schemas.microsoft.com/office/drawing/2014/main" id="{7E1B0151-ACA2-48B0-8E02-A38B5BB1B30F}"/>
+              </a:ext>
+            </a:extLst>
+          </p:cNvPr>
+          <p:cNvSpPr>
+            <a:spLocks noGrp="1"/>
+          </p:cNvSpPr>
+          <p:nvPr>
+            <p:ph type="title" hasCustomPrompt="1"/>
+          </p:nvPr>
+        </p:nvSpPr>
+        <p:spPr>
+          <a:xfrm>
+            <a:off x="495171" y="726968"/>
+            <a:ext cx="9900373" cy="304699"/>
+          </a:xfrm>
+          <a:prstGeom prst="rect">
+            <a:avLst/>
+          </a:prstGeom>
+        </p:spPr>
+        <p:txBody>
+          <a:bodyPr vert="horz" lIns="0" tIns="0" rIns="0" bIns="0" rtlCol="0" anchor="t">
+            <a:spAutoFit/>
+          </a:bodyPr>
+          <a:lstStyle>
+            <a:lvl1pPr>
+              <a:lnSpc>
+                <a:spcPct val="90000"/>
+              </a:lnSpc>
+              <a:defRPr sz="2199" spc="0" baseline="0">
+                <a:solidFill>
+                  <a:schemeClr val="tx1"/>
+                </a:solidFill>
+              </a:defRPr>
+            </a:lvl1pPr>
+          </a:lstStyle>
+          <a:p>
+            <a:r>
+              <a:rPr lang="en-US" dirty="0" smtClean="0"/>
+              <a:t>Insert slide title</a:t>
+            </a:r>
+            <a:endParaRPr lang="en-IE" dirty="0"/>
+          </a:p>
+        </p:txBody>
+      </p:sp>
+      <p:sp>
+        <p:nvSpPr>
+          <p:cNvPr id="7" name="Text Placeholder 6"/>
+          <p:cNvSpPr>
+            <a:spLocks noGrp="1"/>
+          </p:cNvSpPr>
+          <p:nvPr>
+            <p:ph type="body" sz="quarter" idx="13" hasCustomPrompt="1"/>
+          </p:nvPr>
+        </p:nvSpPr>
+        <p:spPr>
+          <a:xfrm>
+            <a:off x="495171" y="3946054"/>
+            <a:ext cx="11196683" cy="2196000"/>
+          </a:xfrm>
+        </p:spPr>
+        <p:txBody>
+          <a:bodyPr/>
+          <a:lstStyle>
+            <a:lvl2pPr>
+              <a:defRPr sz="1100"/>
+            </a:lvl2pPr>
+            <a:lvl3pPr>
+              <a:defRPr sz="1100"/>
+            </a:lvl3pPr>
+            <a:lvl4pPr>
+              <a:defRPr sz="1100"/>
+            </a:lvl4pPr>
+          </a:lstStyle>
+          <a:p>
+            <a:pPr lvl="0"/>
+            <a:r>
+              <a:rPr lang="en-US" dirty="0" smtClean="0"/>
+              <a:t>First level</a:t>
+            </a:r>
+          </a:p>
+          <a:p>
+            <a:pPr lvl="1"/>
+            <a:r>
+              <a:rPr lang="en-US" dirty="0" smtClean="0"/>
+              <a:t>Second level</a:t>
+            </a:r>
+          </a:p>
+          <a:p>
+            <a:pPr lvl="2"/>
+            <a:r>
+              <a:rPr lang="en-US" dirty="0" smtClean="0"/>
+              <a:t>Third level</a:t>
+            </a:r>
+          </a:p>
+          <a:p>
+            <a:pPr lvl="3"/>
+            <a:r>
+              <a:rPr lang="en-US" dirty="0" smtClean="0"/>
+              <a:t>Fourth level</a:t>
+            </a:r>
+          </a:p>
+        </p:txBody>
+      </p:sp>
+    </p:spTree>
+    <p:extLst>
+      <p:ext uri="{BB962C8B-B14F-4D97-AF65-F5344CB8AC3E}">
+        <p14:creationId xmlns:p14="http://schemas.microsoft.com/office/powerpoint/2010/main" val="2693074417"/>
+      </p:ext>
+    </p:extLst>
+  </p:cSld>
+  <p:clrMapOvr>
+    <a:masterClrMapping/>
+  </p:clrMapOvr>
+  <mc:AlternateContent xmlns:mc="http://schemas.openxmlformats.org/markup-compatibility/2006" xmlns:p14="http://schemas.microsoft.com/office/powerpoint/2010/main">
+    <mc:Choice Requires="p14">
+      <p:transition spd="slow" p14:dur="2000"/>
+    </mc:Choice>
+    <mc:Fallback xmlns="">
+      <p:transition spd="slow"/>
+    </mc:Fallback>
+  </mc:AlternateContent>
+  <p:timing>
+    <p:tnLst>
+      <p:par>
+        <p:cTn id="1" dur="indefinite" restart="never" nodeType="tmRoot"/>
+      </p:par>
+    </p:tnLst>
+  </p:timing>
+</p:sldLayout>
+</file>
+
+<file path=ppt/slideLayouts/slideLayout11.xml><?xml version="1.0" encoding="utf-8"?>
+<p:sldLayout xmlns:a="http://schemas.openxmlformats.org/drawingml/2006/main" xmlns:r="http://schemas.openxmlformats.org/officeDocument/2006/relationships" xmlns:p="http://schemas.openxmlformats.org/presentationml/2006/main">
+  <p:cSld name="Two Columns Chart">
+    <p:spTree>
+      <p:nvGrpSpPr>
+        <p:cNvPr id="1" name=""/>
+        <p:cNvGrpSpPr/>
+        <p:nvPr/>
+      </p:nvGrpSpPr>
+      <p:grpSpPr>
+        <a:xfrm>
+          <a:off x="0" y="0"/>
+          <a:ext cx="0" cy="0"/>
+          <a:chOff x="0" y="0"/>
+          <a:chExt cx="0" cy="0"/>
+        </a:xfrm>
+      </p:grpSpPr>
+      <p:sp>
+        <p:nvSpPr>
+          <p:cNvPr id="3" name="Chart Placeholder 2"/>
+          <p:cNvSpPr>
+            <a:spLocks noGrp="1"/>
+          </p:cNvSpPr>
+          <p:nvPr>
+            <p:ph type="chart" sz="quarter" idx="14"/>
+          </p:nvPr>
+        </p:nvSpPr>
+        <p:spPr>
+          <a:xfrm>
+            <a:off x="495171" y="1600200"/>
+            <a:ext cx="5369801" cy="2196000"/>
+          </a:xfrm>
+        </p:spPr>
+        <p:txBody>
+          <a:bodyPr/>
+          <a:lstStyle/>
+          <a:p>
+            <a:r>
+              <a:rPr lang="en-US" smtClean="0"/>
+              <a:t>Click icon to add chart</a:t>
+            </a:r>
+            <a:endParaRPr lang="en-IN"/>
+          </a:p>
+        </p:txBody>
+      </p:sp>
+      <p:sp>
+        <p:nvSpPr>
+          <p:cNvPr id="5" name="Title Placeholder 1">
+            <a:extLst>
+              <a:ext uri="{FF2B5EF4-FFF2-40B4-BE49-F238E27FC236}">
+                <a16:creationId xmlns="" xmlns:a16="http://schemas.microsoft.com/office/drawing/2014/main" id="{7E1B0151-ACA2-48B0-8E02-A38B5BB1B30F}"/>
+              </a:ext>
+            </a:extLst>
+          </p:cNvPr>
+          <p:cNvSpPr>
+            <a:spLocks noGrp="1"/>
+          </p:cNvSpPr>
+          <p:nvPr>
+            <p:ph type="title" hasCustomPrompt="1"/>
+          </p:nvPr>
+        </p:nvSpPr>
+        <p:spPr>
+          <a:xfrm>
+            <a:off x="495171" y="726968"/>
+            <a:ext cx="9900373" cy="304699"/>
+          </a:xfrm>
+          <a:prstGeom prst="rect">
+            <a:avLst/>
+          </a:prstGeom>
+        </p:spPr>
+        <p:txBody>
+          <a:bodyPr vert="horz" lIns="0" tIns="0" rIns="0" bIns="0" rtlCol="0" anchor="t">
+            <a:spAutoFit/>
+          </a:bodyPr>
+          <a:lstStyle>
+            <a:lvl1pPr>
+              <a:lnSpc>
+                <a:spcPct val="90000"/>
+              </a:lnSpc>
+              <a:defRPr sz="2199" spc="0" baseline="0">
+                <a:solidFill>
+                  <a:schemeClr val="tx1"/>
+                </a:solidFill>
+              </a:defRPr>
+            </a:lvl1pPr>
+          </a:lstStyle>
+          <a:p>
+            <a:r>
+              <a:rPr lang="en-US" dirty="0" smtClean="0"/>
+              <a:t>Insert slide title</a:t>
+            </a:r>
+            <a:endParaRPr lang="en-IE" dirty="0"/>
+          </a:p>
+        </p:txBody>
+      </p:sp>
+      <p:sp>
+        <p:nvSpPr>
+          <p:cNvPr id="7" name="Text Placeholder 6"/>
+          <p:cNvSpPr>
+            <a:spLocks noGrp="1"/>
+          </p:cNvSpPr>
+          <p:nvPr>
+            <p:ph type="body" sz="quarter" idx="13" hasCustomPrompt="1"/>
+          </p:nvPr>
+        </p:nvSpPr>
+        <p:spPr>
+          <a:xfrm>
+            <a:off x="495171" y="3946054"/>
+            <a:ext cx="11196683" cy="2196000"/>
+          </a:xfrm>
+        </p:spPr>
+        <p:txBody>
+          <a:bodyPr/>
+          <a:lstStyle>
+            <a:lvl2pPr>
+              <a:defRPr sz="1100"/>
+            </a:lvl2pPr>
+            <a:lvl3pPr>
+              <a:defRPr sz="1100"/>
+            </a:lvl3pPr>
+            <a:lvl4pPr>
+              <a:defRPr sz="1100"/>
+            </a:lvl4pPr>
+          </a:lstStyle>
+          <a:p>
+            <a:pPr lvl="0"/>
+            <a:r>
+              <a:rPr lang="en-US" dirty="0" smtClean="0"/>
+              <a:t>First level</a:t>
+            </a:r>
+          </a:p>
+          <a:p>
+            <a:pPr lvl="1"/>
+            <a:r>
+              <a:rPr lang="en-US" dirty="0" smtClean="0"/>
+              <a:t>Second level</a:t>
+            </a:r>
+          </a:p>
+          <a:p>
+            <a:pPr lvl="2"/>
+            <a:r>
+              <a:rPr lang="en-US" dirty="0" smtClean="0"/>
+              <a:t>Third level</a:t>
+            </a:r>
+          </a:p>
+          <a:p>
+            <a:pPr lvl="3"/>
+            <a:r>
+              <a:rPr lang="en-US" dirty="0" smtClean="0"/>
+              <a:t>Fourth level</a:t>
+            </a:r>
+          </a:p>
+        </p:txBody>
+      </p:sp>
+      <p:sp>
+        <p:nvSpPr>
+          <p:cNvPr id="6" name="Chart Placeholder 2"/>
+          <p:cNvSpPr>
+            <a:spLocks noGrp="1"/>
+          </p:cNvSpPr>
+          <p:nvPr>
+            <p:ph type="chart" sz="quarter" idx="15"/>
+          </p:nvPr>
+        </p:nvSpPr>
+        <p:spPr>
+          <a:xfrm>
+            <a:off x="6322053" y="1600200"/>
+            <a:ext cx="5369801" cy="2196000"/>
+          </a:xfrm>
+        </p:spPr>
+        <p:txBody>
+          <a:bodyPr/>
+          <a:lstStyle/>
+          <a:p>
+            <a:r>
+              <a:rPr lang="en-US" smtClean="0"/>
+              <a:t>Click icon to add chart</a:t>
+            </a:r>
+            <a:endParaRPr lang="en-IN"/>
+          </a:p>
+        </p:txBody>
+      </p:sp>
+    </p:spTree>
+    <p:extLst>
+      <p:ext uri="{BB962C8B-B14F-4D97-AF65-F5344CB8AC3E}">
+        <p14:creationId xmlns:p14="http://schemas.microsoft.com/office/powerpoint/2010/main" val="1121286039"/>
+      </p:ext>
+    </p:extLst>
+  </p:cSld>
+  <p:clrMapOvr>
+    <a:masterClrMapping/>
+  </p:clrMapOvr>
+  <mc:AlternateContent xmlns:mc="http://schemas.openxmlformats.org/markup-compatibility/2006" xmlns:p14="http://schemas.microsoft.com/office/powerpoint/2010/main">
+    <mc:Choice Requires="p14">
+      <p:transition spd="slow" p14:dur="2000"/>
+    </mc:Choice>
+    <mc:Fallback xmlns="">
+      <p:transition spd="slow"/>
+    </mc:Fallback>
+  </mc:AlternateContent>
+  <p:timing>
+    <p:tnLst>
+      <p:par>
+        <p:cTn id="1" dur="indefinite" restart="never" nodeType="tmRoot"/>
+      </p:par>
+    </p:tnLst>
+  </p:timing>
 </p:sldLayout>
 </file>
 
@@ -1400,8 +1737,8 @@
         </p:nvSpPr>
         <p:spPr>
           <a:xfrm>
-            <a:off x="371475" y="1504606"/>
-            <a:ext cx="5915025" cy="385966"/>
+            <a:off x="495172" y="1504606"/>
+            <a:ext cx="7884646" cy="385966"/>
           </a:xfrm>
         </p:spPr>
         <p:txBody>
@@ -1432,7 +1769,7 @@
           <p:cNvPr id="23" name="Text Placeholder 38">
             <a:extLst>
               <a:ext uri="{FF2B5EF4-FFF2-40B4-BE49-F238E27FC236}">
-                <a16:creationId xmlns="" xmlns:a16="http://schemas.microsoft.com/office/drawing/2014/main" id="{B8342419-7A5C-4A78-9913-5A20A3B6C662}"/>
+                <a16:creationId xmlns:a16="http://schemas.microsoft.com/office/drawing/2014/main" xmlns="" id="{B8342419-7A5C-4A78-9913-5A20A3B6C662}"/>
               </a:ext>
             </a:extLst>
           </p:cNvPr>
@@ -1445,8 +1782,8 @@
         </p:nvSpPr>
         <p:spPr>
           <a:xfrm>
-            <a:off x="371475" y="2095501"/>
-            <a:ext cx="4029075" cy="597087"/>
+            <a:off x="495172" y="2095502"/>
+            <a:ext cx="5370701" cy="597087"/>
           </a:xfrm>
           <a:prstGeom prst="rect">
             <a:avLst/>
@@ -1501,7 +1838,7 @@
           <p:cNvPr id="8" name="Isosceles Triangle 7">
             <a:extLst>
               <a:ext uri="{FF2B5EF4-FFF2-40B4-BE49-F238E27FC236}">
-                <a16:creationId xmlns="" xmlns:a16="http://schemas.microsoft.com/office/drawing/2014/main" id="{205FAAB2-E9EC-4D84-A435-21A6A0A54DB9}"/>
+                <a16:creationId xmlns:a16="http://schemas.microsoft.com/office/drawing/2014/main" xmlns="" id="{205FAAB2-E9EC-4D84-A435-21A6A0A54DB9}"/>
               </a:ext>
             </a:extLst>
           </p:cNvPr>
@@ -1510,8 +1847,8 @@
         </p:nvSpPr>
         <p:spPr>
           <a:xfrm flipV="1">
-            <a:off x="4823460" y="-2"/>
-            <a:ext cx="4320541" cy="1717041"/>
+            <a:off x="6429606" y="-2"/>
+            <a:ext cx="5759221" cy="1717041"/>
           </a:xfrm>
           <a:prstGeom prst="triangle">
             <a:avLst>
@@ -1577,8 +1914,8 @@
         </p:blipFill>
         <p:spPr>
           <a:xfrm>
-            <a:off x="7947805" y="480092"/>
-            <a:ext cx="809244" cy="381954"/>
+            <a:off x="10594314" y="480092"/>
+            <a:ext cx="1078711" cy="381954"/>
           </a:xfrm>
           <a:prstGeom prst="rect">
             <a:avLst/>
@@ -1593,8 +1930,8 @@
         </p:nvGrpSpPr>
         <p:grpSpPr>
           <a:xfrm>
-            <a:off x="371475" y="6757072"/>
-            <a:ext cx="8772525" cy="100584"/>
+            <a:off x="495172" y="6757072"/>
+            <a:ext cx="11693654" cy="100584"/>
             <a:chOff x="495300" y="6761834"/>
             <a:chExt cx="11696700" cy="100584"/>
           </a:xfrm>
@@ -2294,7 +2631,7 @@
           <p:cNvPr id="18" name="Straight Connector 17">
             <a:extLst>
               <a:ext uri="{FF2B5EF4-FFF2-40B4-BE49-F238E27FC236}">
-                <a16:creationId xmlns="" xmlns:a16="http://schemas.microsoft.com/office/drawing/2014/main" id="{AFE2A50A-C6FB-426C-AD3D-691C4D10C025}"/>
+                <a16:creationId xmlns:a16="http://schemas.microsoft.com/office/drawing/2014/main" xmlns="" id="{AFE2A50A-C6FB-426C-AD3D-691C4D10C025}"/>
               </a:ext>
             </a:extLst>
           </p:cNvPr>
@@ -2305,8 +2642,8 @@
         </p:nvCxnSpPr>
         <p:spPr>
           <a:xfrm flipH="1">
-            <a:off x="380404" y="1920308"/>
-            <a:ext cx="567000" cy="0"/>
+            <a:off x="507073" y="1920308"/>
+            <a:ext cx="755803" cy="0"/>
           </a:xfrm>
           <a:prstGeom prst="line">
             <a:avLst/>
@@ -2334,8 +2671,8 @@
         </p:nvSpPr>
         <p:spPr>
           <a:xfrm>
-            <a:off x="4743450" y="2095500"/>
-            <a:ext cx="685800" cy="597087"/>
+            <a:off x="6322953" y="2095501"/>
+            <a:ext cx="914162" cy="597087"/>
           </a:xfrm>
           <a:prstGeom prst="rect">
             <a:avLst/>
@@ -2445,7 +2782,7 @@
           <p:cNvPr id="11" name="Isosceles Triangle 10">
             <a:extLst>
               <a:ext uri="{FF2B5EF4-FFF2-40B4-BE49-F238E27FC236}">
-                <a16:creationId xmlns="" xmlns:a16="http://schemas.microsoft.com/office/drawing/2014/main" id="{A4F1874E-17B6-43A5-AEB8-E3C54A0E06D5}"/>
+                <a16:creationId xmlns:a16="http://schemas.microsoft.com/office/drawing/2014/main" xmlns="" id="{A4F1874E-17B6-43A5-AEB8-E3C54A0E06D5}"/>
               </a:ext>
             </a:extLst>
           </p:cNvPr>
@@ -2454,8 +2791,8 @@
         </p:nvSpPr>
         <p:spPr>
           <a:xfrm flipV="1">
-            <a:off x="5417820" y="-3"/>
-            <a:ext cx="3726181" cy="1760221"/>
+            <a:off x="7221879" y="-3"/>
+            <a:ext cx="4966948" cy="1760221"/>
           </a:xfrm>
           <a:prstGeom prst="triangle">
             <a:avLst>
@@ -2506,8 +2843,8 @@
         </p:nvSpPr>
         <p:spPr>
           <a:xfrm>
-            <a:off x="371475" y="2715390"/>
-            <a:ext cx="5308014" cy="385966"/>
+            <a:off x="495171" y="2715390"/>
+            <a:ext cx="7075509" cy="385966"/>
           </a:xfrm>
         </p:spPr>
         <p:txBody>
@@ -2541,7 +2878,7 @@
           <p:cNvPr id="16" name="Isosceles Triangle 15">
             <a:extLst>
               <a:ext uri="{FF2B5EF4-FFF2-40B4-BE49-F238E27FC236}">
-                <a16:creationId xmlns="" xmlns:a16="http://schemas.microsoft.com/office/drawing/2014/main" id="{205FAAB2-E9EC-4D84-A435-21A6A0A54DB9}"/>
+                <a16:creationId xmlns:a16="http://schemas.microsoft.com/office/drawing/2014/main" xmlns="" id="{205FAAB2-E9EC-4D84-A435-21A6A0A54DB9}"/>
               </a:ext>
             </a:extLst>
           </p:cNvPr>
@@ -2550,8 +2887,8 @@
         </p:nvSpPr>
         <p:spPr>
           <a:xfrm flipV="1">
-            <a:off x="4823460" y="-2"/>
-            <a:ext cx="4320541" cy="1717041"/>
+            <a:off x="6429606" y="-2"/>
+            <a:ext cx="5759221" cy="1717041"/>
           </a:xfrm>
           <a:prstGeom prst="triangle">
             <a:avLst>
@@ -2617,8 +2954,8 @@
         </p:blipFill>
         <p:spPr>
           <a:xfrm>
-            <a:off x="7947805" y="480092"/>
-            <a:ext cx="809244" cy="381954"/>
+            <a:off x="10594314" y="480092"/>
+            <a:ext cx="1078711" cy="381954"/>
           </a:xfrm>
           <a:prstGeom prst="rect">
             <a:avLst/>
@@ -2637,8 +2974,8 @@
         </p:nvSpPr>
         <p:spPr>
           <a:xfrm>
-            <a:off x="371476" y="3343275"/>
-            <a:ext cx="5336381" cy="914400"/>
+            <a:off x="495173" y="3343275"/>
+            <a:ext cx="7113322" cy="914400"/>
           </a:xfrm>
           <a:prstGeom prst="rect">
             <a:avLst/>
@@ -2687,7 +3024,7 @@
           <p:cNvPr id="12" name="Straight Connector 11">
             <a:extLst>
               <a:ext uri="{FF2B5EF4-FFF2-40B4-BE49-F238E27FC236}">
-                <a16:creationId xmlns="" xmlns:a16="http://schemas.microsoft.com/office/drawing/2014/main" id="{AFE2A50A-C6FB-426C-AD3D-691C4D10C025}"/>
+                <a16:creationId xmlns:a16="http://schemas.microsoft.com/office/drawing/2014/main" xmlns="" id="{AFE2A50A-C6FB-426C-AD3D-691C4D10C025}"/>
               </a:ext>
             </a:extLst>
           </p:cNvPr>
@@ -2698,8 +3035,8 @@
         </p:nvCxnSpPr>
         <p:spPr>
           <a:xfrm flipH="1">
-            <a:off x="380404" y="3168650"/>
-            <a:ext cx="567000" cy="0"/>
+            <a:off x="507073" y="3168650"/>
+            <a:ext cx="755803" cy="0"/>
           </a:xfrm>
           <a:prstGeom prst="line">
             <a:avLst/>
@@ -2723,8 +3060,8 @@
         </p:nvGrpSpPr>
         <p:grpSpPr>
           <a:xfrm>
-            <a:off x="371475" y="6757072"/>
-            <a:ext cx="8772526" cy="100584"/>
+            <a:off x="495171" y="6757072"/>
+            <a:ext cx="11693655" cy="100584"/>
             <a:chOff x="495300" y="6757072"/>
             <a:chExt cx="11696701" cy="100584"/>
           </a:xfrm>
@@ -3461,7 +3798,7 @@
           <p:cNvPr id="5" name="Title Placeholder 1">
             <a:extLst>
               <a:ext uri="{FF2B5EF4-FFF2-40B4-BE49-F238E27FC236}">
-                <a16:creationId xmlns="" xmlns:a16="http://schemas.microsoft.com/office/drawing/2014/main" id="{7E1B0151-ACA2-48B0-8E02-A38B5BB1B30F}"/>
+                <a16:creationId xmlns:a16="http://schemas.microsoft.com/office/drawing/2014/main" xmlns="" id="{7E1B0151-ACA2-48B0-8E02-A38B5BB1B30F}"/>
               </a:ext>
             </a:extLst>
           </p:cNvPr>
@@ -3474,8 +3811,8 @@
         </p:nvSpPr>
         <p:spPr>
           <a:xfrm>
-            <a:off x="371475" y="726968"/>
-            <a:ext cx="7427214" cy="304699"/>
+            <a:off x="495171" y="726969"/>
+            <a:ext cx="9900373" cy="304699"/>
           </a:xfrm>
           <a:prstGeom prst="rect">
             <a:avLst/>
@@ -3518,8 +3855,8 @@
         </p:nvSpPr>
         <p:spPr>
           <a:xfrm>
-            <a:off x="371475" y="1600201"/>
-            <a:ext cx="8401050" cy="4564063"/>
+            <a:off x="495171" y="1600202"/>
+            <a:ext cx="11198483" cy="4564063"/>
           </a:xfrm>
           <a:prstGeom prst="rect">
             <a:avLst/>
@@ -3654,7 +3991,7 @@
           <p:cNvPr id="5" name="Title Placeholder 1">
             <a:extLst>
               <a:ext uri="{FF2B5EF4-FFF2-40B4-BE49-F238E27FC236}">
-                <a16:creationId xmlns="" xmlns:a16="http://schemas.microsoft.com/office/drawing/2014/main" id="{7E1B0151-ACA2-48B0-8E02-A38B5BB1B30F}"/>
+                <a16:creationId xmlns:a16="http://schemas.microsoft.com/office/drawing/2014/main" xmlns="" id="{7E1B0151-ACA2-48B0-8E02-A38B5BB1B30F}"/>
               </a:ext>
             </a:extLst>
           </p:cNvPr>
@@ -3667,8 +4004,8 @@
         </p:nvSpPr>
         <p:spPr>
           <a:xfrm>
-            <a:off x="371475" y="726968"/>
-            <a:ext cx="7427214" cy="304699"/>
+            <a:off x="495171" y="726969"/>
+            <a:ext cx="9900373" cy="304699"/>
           </a:xfrm>
           <a:prstGeom prst="rect">
             <a:avLst/>
@@ -3711,8 +4048,8 @@
         </p:nvSpPr>
         <p:spPr>
           <a:xfrm>
-            <a:off x="371475" y="1600201"/>
-            <a:ext cx="4029075" cy="4564063"/>
+            <a:off x="495172" y="1600202"/>
+            <a:ext cx="5370701" cy="4564063"/>
           </a:xfrm>
         </p:spPr>
         <p:txBody>
@@ -3777,8 +4114,8 @@
         </p:nvSpPr>
         <p:spPr>
           <a:xfrm>
-            <a:off x="4743450" y="1600201"/>
-            <a:ext cx="3971925" cy="4564063"/>
+            <a:off x="6322954" y="1600202"/>
+            <a:ext cx="5294521" cy="4564063"/>
           </a:xfrm>
         </p:spPr>
         <p:txBody>
@@ -3874,7 +4211,7 @@
           <p:cNvPr id="2" name="Picture 1">
             <a:extLst>
               <a:ext uri="{FF2B5EF4-FFF2-40B4-BE49-F238E27FC236}">
-                <a16:creationId xmlns="" xmlns:a16="http://schemas.microsoft.com/office/drawing/2014/main" id="{F9EB56A6-D3D6-4F85-8FD7-31CA6A31C303}"/>
+                <a16:creationId xmlns:a16="http://schemas.microsoft.com/office/drawing/2014/main" xmlns="" id="{F9EB56A6-D3D6-4F85-8FD7-31CA6A31C303}"/>
               </a:ext>
             </a:extLst>
           </p:cNvPr>
@@ -3898,7 +4235,7 @@
         <p:spPr>
           <a:xfrm>
             <a:off x="0" y="0"/>
-            <a:ext cx="9138218" cy="6858000"/>
+            <a:ext cx="12181118" cy="6858000"/>
           </a:xfrm>
           <a:prstGeom prst="rect">
             <a:avLst/>
@@ -3910,7 +4247,7 @@
           <p:cNvPr id="8" name="Rectangle 7">
             <a:extLst>
               <a:ext uri="{FF2B5EF4-FFF2-40B4-BE49-F238E27FC236}">
-                <a16:creationId xmlns="" xmlns:a16="http://schemas.microsoft.com/office/drawing/2014/main" id="{D547E0A3-79D6-45A1-9648-B1BE783DA045}"/>
+                <a16:creationId xmlns:a16="http://schemas.microsoft.com/office/drawing/2014/main" xmlns="" id="{D547E0A3-79D6-45A1-9648-B1BE783DA045}"/>
               </a:ext>
             </a:extLst>
           </p:cNvPr>
@@ -3920,7 +4257,7 @@
         <p:spPr>
           <a:xfrm>
             <a:off x="0" y="0"/>
-            <a:ext cx="9144000" cy="6858000"/>
+            <a:ext cx="12188825" cy="6858000"/>
           </a:xfrm>
           <a:prstGeom prst="rect">
             <a:avLst/>
@@ -3972,7 +4309,7 @@
           <p:cNvPr id="14" name="Freeform: Shape 13">
             <a:extLst>
               <a:ext uri="{FF2B5EF4-FFF2-40B4-BE49-F238E27FC236}">
-                <a16:creationId xmlns="" xmlns:a16="http://schemas.microsoft.com/office/drawing/2014/main" id="{C4FAD197-5B4F-4D10-8FFE-07B361F112F7}"/>
+                <a16:creationId xmlns:a16="http://schemas.microsoft.com/office/drawing/2014/main" xmlns="" id="{C4FAD197-5B4F-4D10-8FFE-07B361F112F7}"/>
               </a:ext>
             </a:extLst>
           </p:cNvPr>
@@ -3981,8 +4318,8 @@
         </p:nvSpPr>
         <p:spPr>
           <a:xfrm flipH="1">
-            <a:off x="0" y="1287780"/>
-            <a:ext cx="9143999" cy="5570220"/>
+            <a:off x="1" y="1287780"/>
+            <a:ext cx="12188824" cy="5570220"/>
           </a:xfrm>
           <a:custGeom>
             <a:avLst/>
@@ -4075,7 +4412,7 @@
           <p:cNvPr id="11" name="Isosceles Triangle 10">
             <a:extLst>
               <a:ext uri="{FF2B5EF4-FFF2-40B4-BE49-F238E27FC236}">
-                <a16:creationId xmlns="" xmlns:a16="http://schemas.microsoft.com/office/drawing/2014/main" id="{074A144B-B49B-41E6-8F39-0831F503E0E4}"/>
+                <a16:creationId xmlns:a16="http://schemas.microsoft.com/office/drawing/2014/main" xmlns="" id="{074A144B-B49B-41E6-8F39-0831F503E0E4}"/>
               </a:ext>
             </a:extLst>
           </p:cNvPr>
@@ -4084,8 +4421,8 @@
         </p:nvSpPr>
         <p:spPr>
           <a:xfrm>
-            <a:off x="6246495" y="3558540"/>
-            <a:ext cx="2897506" cy="3299459"/>
+            <a:off x="8326491" y="3558541"/>
+            <a:ext cx="3862335" cy="3299459"/>
           </a:xfrm>
           <a:prstGeom prst="triangle">
             <a:avLst>
@@ -4132,8 +4469,8 @@
         </p:nvSpPr>
         <p:spPr>
           <a:xfrm>
-            <a:off x="311944" y="3034666"/>
-            <a:ext cx="6791325" cy="3093154"/>
+            <a:off x="415818" y="3034666"/>
+            <a:ext cx="9052742" cy="2923877"/>
           </a:xfrm>
           <a:prstGeom prst="rect">
             <a:avLst/>
@@ -4429,7 +4766,7 @@
           <p:cNvPr id="9" name="Straight Connector 8">
             <a:extLst>
               <a:ext uri="{FF2B5EF4-FFF2-40B4-BE49-F238E27FC236}">
-                <a16:creationId xmlns="" xmlns:a16="http://schemas.microsoft.com/office/drawing/2014/main" id="{AFE2A50A-C6FB-426C-AD3D-691C4D10C025}"/>
+                <a16:creationId xmlns:a16="http://schemas.microsoft.com/office/drawing/2014/main" xmlns="" id="{AFE2A50A-C6FB-426C-AD3D-691C4D10C025}"/>
               </a:ext>
             </a:extLst>
           </p:cNvPr>
@@ -4440,8 +4777,8 @@
         </p:nvCxnSpPr>
         <p:spPr>
           <a:xfrm flipH="1">
-            <a:off x="380404" y="2872582"/>
-            <a:ext cx="567000" cy="0"/>
+            <a:off x="507073" y="2872582"/>
+            <a:ext cx="755803" cy="0"/>
           </a:xfrm>
           <a:prstGeom prst="line">
             <a:avLst/>
@@ -4479,8 +4816,8 @@
         </p:blipFill>
         <p:spPr>
           <a:xfrm>
-            <a:off x="7605504" y="5829000"/>
-            <a:ext cx="1167021" cy="548516"/>
+            <a:off x="10138032" y="5829000"/>
+            <a:ext cx="1555623" cy="548516"/>
           </a:xfrm>
           <a:prstGeom prst="rect">
             <a:avLst/>
@@ -4536,8 +4873,8 @@
         </p:nvSpPr>
         <p:spPr>
           <a:xfrm>
-            <a:off x="685800" y="2130425"/>
-            <a:ext cx="7772400" cy="1470025"/>
+            <a:off x="914162" y="2130426"/>
+            <a:ext cx="10360501" cy="304699"/>
           </a:xfrm>
         </p:spPr>
         <p:txBody>
@@ -4564,8 +4901,8 @@
         </p:nvSpPr>
         <p:spPr>
           <a:xfrm>
-            <a:off x="1371600" y="3886200"/>
-            <a:ext cx="6400800" cy="1752600"/>
+            <a:off x="1828324" y="3886200"/>
+            <a:ext cx="8532178" cy="1752600"/>
           </a:xfrm>
         </p:spPr>
         <p:txBody>
@@ -4683,8 +5020,8 @@
         </p:nvSpPr>
         <p:spPr>
           <a:xfrm>
-            <a:off x="457200" y="6356350"/>
-            <a:ext cx="2133600" cy="365125"/>
+            <a:off x="609441" y="6356351"/>
+            <a:ext cx="2844059" cy="365125"/>
           </a:xfrm>
           <a:prstGeom prst="rect">
             <a:avLst/>
@@ -4696,7 +5033,7 @@
           <a:p>
             <a:fld id="{58CC97F5-055A-4DE7-8E37-4F47BA25FFA4}" type="datetimeFigureOut">
               <a:rPr lang="en-US" smtClean="0"/>
-              <a:t>4/5/2018</a:t>
+              <a:t>6/29/2018</a:t>
             </a:fld>
             <a:endParaRPr lang="en-US"/>
           </a:p>
@@ -4714,8 +5051,8 @@
         </p:nvSpPr>
         <p:spPr>
           <a:xfrm>
-            <a:off x="3124200" y="6356350"/>
-            <a:ext cx="2895600" cy="365125"/>
+            <a:off x="4164515" y="6356351"/>
+            <a:ext cx="3859795" cy="365125"/>
           </a:xfrm>
           <a:prstGeom prst="rect">
             <a:avLst/>
@@ -4741,8 +5078,8 @@
         </p:nvSpPr>
         <p:spPr>
           <a:xfrm>
-            <a:off x="6553200" y="6356350"/>
-            <a:ext cx="2133600" cy="365125"/>
+            <a:off x="8735325" y="6356351"/>
+            <a:ext cx="2844059" cy="365125"/>
           </a:xfrm>
           <a:prstGeom prst="rect">
             <a:avLst/>
@@ -4770,6 +5107,533 @@
   <p:clrMapOvr>
     <a:masterClrMapping/>
   </p:clrMapOvr>
+</p:sldLayout>
+</file>
+
+<file path=ppt/slideLayouts/slideLayout8.xml><?xml version="1.0" encoding="utf-8"?>
+<p:sldLayout xmlns:a="http://schemas.openxmlformats.org/drawingml/2006/main" xmlns:r="http://schemas.openxmlformats.org/officeDocument/2006/relationships" xmlns:p="http://schemas.openxmlformats.org/presentationml/2006/main">
+  <p:cSld name="Four columns">
+    <p:spTree>
+      <p:nvGrpSpPr>
+        <p:cNvPr id="1" name=""/>
+        <p:cNvGrpSpPr/>
+        <p:nvPr/>
+      </p:nvGrpSpPr>
+      <p:grpSpPr>
+        <a:xfrm>
+          <a:off x="0" y="0"/>
+          <a:ext cx="0" cy="0"/>
+          <a:chOff x="0" y="0"/>
+          <a:chExt cx="0" cy="0"/>
+        </a:xfrm>
+      </p:grpSpPr>
+      <p:sp>
+        <p:nvSpPr>
+          <p:cNvPr id="5" name="Title Placeholder 1">
+            <a:extLst>
+              <a:ext uri="{FF2B5EF4-FFF2-40B4-BE49-F238E27FC236}">
+                <a16:creationId xmlns="" xmlns:a16="http://schemas.microsoft.com/office/drawing/2014/main" id="{7E1B0151-ACA2-48B0-8E02-A38B5BB1B30F}"/>
+              </a:ext>
+            </a:extLst>
+          </p:cNvPr>
+          <p:cNvSpPr>
+            <a:spLocks noGrp="1"/>
+          </p:cNvSpPr>
+          <p:nvPr>
+            <p:ph type="title" hasCustomPrompt="1"/>
+          </p:nvPr>
+        </p:nvSpPr>
+        <p:spPr>
+          <a:xfrm>
+            <a:off x="495171" y="726968"/>
+            <a:ext cx="9900373" cy="304699"/>
+          </a:xfrm>
+          <a:prstGeom prst="rect">
+            <a:avLst/>
+          </a:prstGeom>
+        </p:spPr>
+        <p:txBody>
+          <a:bodyPr vert="horz" lIns="0" tIns="0" rIns="0" bIns="0" rtlCol="0" anchor="t">
+            <a:spAutoFit/>
+          </a:bodyPr>
+          <a:lstStyle>
+            <a:lvl1pPr>
+              <a:lnSpc>
+                <a:spcPct val="90000"/>
+              </a:lnSpc>
+              <a:defRPr sz="2199" spc="0" baseline="0">
+                <a:solidFill>
+                  <a:schemeClr val="tx1"/>
+                </a:solidFill>
+              </a:defRPr>
+            </a:lvl1pPr>
+          </a:lstStyle>
+          <a:p>
+            <a:r>
+              <a:rPr lang="en-US" dirty="0" smtClean="0"/>
+              <a:t>Insert slide title</a:t>
+            </a:r>
+            <a:endParaRPr lang="en-IE" dirty="0"/>
+          </a:p>
+        </p:txBody>
+      </p:sp>
+      <p:sp>
+        <p:nvSpPr>
+          <p:cNvPr id="4" name="Text Placeholder 3"/>
+          <p:cNvSpPr>
+            <a:spLocks noGrp="1"/>
+          </p:cNvSpPr>
+          <p:nvPr>
+            <p:ph type="body" sz="quarter" idx="12" hasCustomPrompt="1"/>
+          </p:nvPr>
+        </p:nvSpPr>
+        <p:spPr>
+          <a:xfrm>
+            <a:off x="495171" y="1600201"/>
+            <a:ext cx="5370701" cy="2196000"/>
+          </a:xfrm>
+        </p:spPr>
+        <p:txBody>
+          <a:bodyPr/>
+          <a:lstStyle>
+            <a:lvl1pPr>
+              <a:defRPr>
+                <a:solidFill>
+                  <a:schemeClr val="tx1"/>
+                </a:solidFill>
+              </a:defRPr>
+            </a:lvl1pPr>
+            <a:lvl2pPr>
+              <a:defRPr sz="1100"/>
+            </a:lvl2pPr>
+            <a:lvl3pPr>
+              <a:defRPr sz="1100"/>
+            </a:lvl3pPr>
+            <a:lvl4pPr>
+              <a:defRPr sz="1100"/>
+            </a:lvl4pPr>
+          </a:lstStyle>
+          <a:p>
+            <a:pPr lvl="0"/>
+            <a:r>
+              <a:rPr lang="en-US" dirty="0" smtClean="0"/>
+              <a:t>First level</a:t>
+            </a:r>
+          </a:p>
+          <a:p>
+            <a:pPr lvl="1"/>
+            <a:r>
+              <a:rPr lang="en-US" dirty="0" smtClean="0"/>
+              <a:t>Second level</a:t>
+            </a:r>
+          </a:p>
+          <a:p>
+            <a:pPr lvl="2"/>
+            <a:r>
+              <a:rPr lang="en-US" dirty="0" smtClean="0"/>
+              <a:t>Third level</a:t>
+            </a:r>
+          </a:p>
+          <a:p>
+            <a:pPr lvl="3"/>
+            <a:r>
+              <a:rPr lang="en-US" dirty="0" smtClean="0"/>
+              <a:t>Fourth level</a:t>
+            </a:r>
+          </a:p>
+        </p:txBody>
+      </p:sp>
+      <p:sp>
+        <p:nvSpPr>
+          <p:cNvPr id="7" name="Text Placeholder 6"/>
+          <p:cNvSpPr>
+            <a:spLocks noGrp="1"/>
+          </p:cNvSpPr>
+          <p:nvPr>
+            <p:ph type="body" sz="quarter" idx="13" hasCustomPrompt="1"/>
+          </p:nvPr>
+        </p:nvSpPr>
+        <p:spPr>
+          <a:xfrm>
+            <a:off x="6322953" y="1600201"/>
+            <a:ext cx="5370701" cy="2196000"/>
+          </a:xfrm>
+        </p:spPr>
+        <p:txBody>
+          <a:bodyPr/>
+          <a:lstStyle>
+            <a:lvl2pPr>
+              <a:defRPr sz="1100"/>
+            </a:lvl2pPr>
+            <a:lvl3pPr>
+              <a:defRPr sz="1100"/>
+            </a:lvl3pPr>
+            <a:lvl4pPr>
+              <a:defRPr sz="1100"/>
+            </a:lvl4pPr>
+          </a:lstStyle>
+          <a:p>
+            <a:pPr lvl="0"/>
+            <a:r>
+              <a:rPr lang="en-US" dirty="0" smtClean="0"/>
+              <a:t>First level</a:t>
+            </a:r>
+          </a:p>
+          <a:p>
+            <a:pPr lvl="1"/>
+            <a:r>
+              <a:rPr lang="en-US" dirty="0" smtClean="0"/>
+              <a:t>Second level</a:t>
+            </a:r>
+          </a:p>
+          <a:p>
+            <a:pPr lvl="2"/>
+            <a:r>
+              <a:rPr lang="en-US" dirty="0" smtClean="0"/>
+              <a:t>Third level</a:t>
+            </a:r>
+          </a:p>
+          <a:p>
+            <a:pPr lvl="3"/>
+            <a:r>
+              <a:rPr lang="en-US" dirty="0" smtClean="0"/>
+              <a:t>Fourth level</a:t>
+            </a:r>
+          </a:p>
+        </p:txBody>
+      </p:sp>
+      <p:sp>
+        <p:nvSpPr>
+          <p:cNvPr id="6" name="Text Placeholder 3"/>
+          <p:cNvSpPr>
+            <a:spLocks noGrp="1"/>
+          </p:cNvSpPr>
+          <p:nvPr>
+            <p:ph type="body" sz="quarter" idx="14" hasCustomPrompt="1"/>
+          </p:nvPr>
+        </p:nvSpPr>
+        <p:spPr>
+          <a:xfrm>
+            <a:off x="495171" y="3966028"/>
+            <a:ext cx="5370701" cy="2196000"/>
+          </a:xfrm>
+        </p:spPr>
+        <p:txBody>
+          <a:bodyPr/>
+          <a:lstStyle>
+            <a:lvl1pPr>
+              <a:defRPr>
+                <a:solidFill>
+                  <a:schemeClr val="tx1"/>
+                </a:solidFill>
+              </a:defRPr>
+            </a:lvl1pPr>
+            <a:lvl2pPr>
+              <a:defRPr sz="1100"/>
+            </a:lvl2pPr>
+            <a:lvl3pPr>
+              <a:defRPr sz="1100"/>
+            </a:lvl3pPr>
+            <a:lvl4pPr>
+              <a:defRPr sz="1100"/>
+            </a:lvl4pPr>
+          </a:lstStyle>
+          <a:p>
+            <a:pPr lvl="0"/>
+            <a:r>
+              <a:rPr lang="en-US" dirty="0" smtClean="0"/>
+              <a:t>First level</a:t>
+            </a:r>
+          </a:p>
+          <a:p>
+            <a:pPr lvl="1"/>
+            <a:r>
+              <a:rPr lang="en-US" dirty="0" smtClean="0"/>
+              <a:t>Second level</a:t>
+            </a:r>
+          </a:p>
+          <a:p>
+            <a:pPr lvl="2"/>
+            <a:r>
+              <a:rPr lang="en-US" dirty="0" smtClean="0"/>
+              <a:t>Third level</a:t>
+            </a:r>
+          </a:p>
+          <a:p>
+            <a:pPr lvl="3"/>
+            <a:r>
+              <a:rPr lang="en-US" dirty="0" smtClean="0"/>
+              <a:t>Fourth level</a:t>
+            </a:r>
+          </a:p>
+        </p:txBody>
+      </p:sp>
+      <p:sp>
+        <p:nvSpPr>
+          <p:cNvPr id="8" name="Text Placeholder 6"/>
+          <p:cNvSpPr>
+            <a:spLocks noGrp="1"/>
+          </p:cNvSpPr>
+          <p:nvPr>
+            <p:ph type="body" sz="quarter" idx="15" hasCustomPrompt="1"/>
+          </p:nvPr>
+        </p:nvSpPr>
+        <p:spPr>
+          <a:xfrm>
+            <a:off x="6322953" y="3966028"/>
+            <a:ext cx="5370701" cy="2196000"/>
+          </a:xfrm>
+        </p:spPr>
+        <p:txBody>
+          <a:bodyPr/>
+          <a:lstStyle>
+            <a:lvl2pPr>
+              <a:defRPr sz="1100"/>
+            </a:lvl2pPr>
+            <a:lvl3pPr>
+              <a:defRPr sz="1100"/>
+            </a:lvl3pPr>
+            <a:lvl4pPr>
+              <a:defRPr sz="1100"/>
+            </a:lvl4pPr>
+          </a:lstStyle>
+          <a:p>
+            <a:pPr lvl="0"/>
+            <a:r>
+              <a:rPr lang="en-US" dirty="0" smtClean="0"/>
+              <a:t>First level</a:t>
+            </a:r>
+          </a:p>
+          <a:p>
+            <a:pPr lvl="1"/>
+            <a:r>
+              <a:rPr lang="en-US" dirty="0" smtClean="0"/>
+              <a:t>Second level</a:t>
+            </a:r>
+          </a:p>
+          <a:p>
+            <a:pPr lvl="2"/>
+            <a:r>
+              <a:rPr lang="en-US" dirty="0" smtClean="0"/>
+              <a:t>Third level</a:t>
+            </a:r>
+          </a:p>
+          <a:p>
+            <a:pPr lvl="3"/>
+            <a:r>
+              <a:rPr lang="en-US" dirty="0" smtClean="0"/>
+              <a:t>Fourth level</a:t>
+            </a:r>
+          </a:p>
+        </p:txBody>
+      </p:sp>
+    </p:spTree>
+    <p:extLst>
+      <p:ext uri="{BB962C8B-B14F-4D97-AF65-F5344CB8AC3E}">
+        <p14:creationId xmlns:p14="http://schemas.microsoft.com/office/powerpoint/2010/main" val="3447426189"/>
+      </p:ext>
+    </p:extLst>
+  </p:cSld>
+  <p:clrMapOvr>
+    <a:masterClrMapping/>
+  </p:clrMapOvr>
+  <mc:AlternateContent xmlns:mc="http://schemas.openxmlformats.org/markup-compatibility/2006" xmlns:p14="http://schemas.microsoft.com/office/powerpoint/2010/main">
+    <mc:Choice Requires="p14">
+      <p:transition spd="slow" p14:dur="2000"/>
+    </mc:Choice>
+    <mc:Fallback xmlns="">
+      <p:transition spd="slow"/>
+    </mc:Fallback>
+  </mc:AlternateContent>
+  <p:timing>
+    <p:tnLst>
+      <p:par>
+        <p:cTn id="1" dur="indefinite" restart="never" nodeType="tmRoot"/>
+      </p:par>
+    </p:tnLst>
+  </p:timing>
+</p:sldLayout>
+</file>
+
+<file path=ppt/slideLayouts/slideLayout9.xml><?xml version="1.0" encoding="utf-8"?>
+<p:sldLayout xmlns:a="http://schemas.openxmlformats.org/drawingml/2006/main" xmlns:r="http://schemas.openxmlformats.org/officeDocument/2006/relationships" xmlns:p="http://schemas.openxmlformats.org/presentationml/2006/main">
+  <p:cSld name="One Chart One Column">
+    <p:spTree>
+      <p:nvGrpSpPr>
+        <p:cNvPr id="1" name=""/>
+        <p:cNvGrpSpPr/>
+        <p:nvPr/>
+      </p:nvGrpSpPr>
+      <p:grpSpPr>
+        <a:xfrm>
+          <a:off x="0" y="0"/>
+          <a:ext cx="0" cy="0"/>
+          <a:chOff x="0" y="0"/>
+          <a:chExt cx="0" cy="0"/>
+        </a:xfrm>
+      </p:grpSpPr>
+      <p:sp>
+        <p:nvSpPr>
+          <p:cNvPr id="3" name="Chart Placeholder 2"/>
+          <p:cNvSpPr>
+            <a:spLocks noGrp="1"/>
+          </p:cNvSpPr>
+          <p:nvPr>
+            <p:ph type="chart" sz="quarter" idx="14"/>
+          </p:nvPr>
+        </p:nvSpPr>
+        <p:spPr>
+          <a:xfrm>
+            <a:off x="495171" y="1600200"/>
+            <a:ext cx="5369801" cy="4564800"/>
+          </a:xfrm>
+        </p:spPr>
+        <p:txBody>
+          <a:bodyPr/>
+          <a:lstStyle/>
+          <a:p>
+            <a:r>
+              <a:rPr lang="en-US" smtClean="0"/>
+              <a:t>Click icon to add chart</a:t>
+            </a:r>
+            <a:endParaRPr lang="en-IN"/>
+          </a:p>
+        </p:txBody>
+      </p:sp>
+      <p:sp>
+        <p:nvSpPr>
+          <p:cNvPr id="5" name="Title Placeholder 1">
+            <a:extLst>
+              <a:ext uri="{FF2B5EF4-FFF2-40B4-BE49-F238E27FC236}">
+                <a16:creationId xmlns="" xmlns:a16="http://schemas.microsoft.com/office/drawing/2014/main" id="{7E1B0151-ACA2-48B0-8E02-A38B5BB1B30F}"/>
+              </a:ext>
+            </a:extLst>
+          </p:cNvPr>
+          <p:cNvSpPr>
+            <a:spLocks noGrp="1"/>
+          </p:cNvSpPr>
+          <p:nvPr>
+            <p:ph type="title" hasCustomPrompt="1"/>
+          </p:nvPr>
+        </p:nvSpPr>
+        <p:spPr>
+          <a:xfrm>
+            <a:off x="495171" y="726968"/>
+            <a:ext cx="9900373" cy="304699"/>
+          </a:xfrm>
+          <a:prstGeom prst="rect">
+            <a:avLst/>
+          </a:prstGeom>
+        </p:spPr>
+        <p:txBody>
+          <a:bodyPr vert="horz" lIns="0" tIns="0" rIns="0" bIns="0" rtlCol="0" anchor="t">
+            <a:spAutoFit/>
+          </a:bodyPr>
+          <a:lstStyle>
+            <a:lvl1pPr>
+              <a:lnSpc>
+                <a:spcPct val="90000"/>
+              </a:lnSpc>
+              <a:defRPr sz="2199" spc="0" baseline="0">
+                <a:solidFill>
+                  <a:schemeClr val="tx1"/>
+                </a:solidFill>
+              </a:defRPr>
+            </a:lvl1pPr>
+          </a:lstStyle>
+          <a:p>
+            <a:r>
+              <a:rPr lang="en-US" dirty="0" smtClean="0"/>
+              <a:t>Insert slide title</a:t>
+            </a:r>
+            <a:endParaRPr lang="en-IE" dirty="0"/>
+          </a:p>
+        </p:txBody>
+      </p:sp>
+      <p:sp>
+        <p:nvSpPr>
+          <p:cNvPr id="7" name="Text Placeholder 6"/>
+          <p:cNvSpPr>
+            <a:spLocks noGrp="1"/>
+          </p:cNvSpPr>
+          <p:nvPr>
+            <p:ph type="body" sz="quarter" idx="13" hasCustomPrompt="1"/>
+          </p:nvPr>
+        </p:nvSpPr>
+        <p:spPr>
+          <a:xfrm>
+            <a:off x="6322953" y="1600201"/>
+            <a:ext cx="5369801" cy="4564063"/>
+          </a:xfrm>
+        </p:spPr>
+        <p:txBody>
+          <a:bodyPr/>
+          <a:lstStyle>
+            <a:lvl2pPr>
+              <a:defRPr sz="1100"/>
+            </a:lvl2pPr>
+            <a:lvl3pPr>
+              <a:defRPr sz="1100"/>
+            </a:lvl3pPr>
+            <a:lvl4pPr>
+              <a:defRPr sz="1100"/>
+            </a:lvl4pPr>
+          </a:lstStyle>
+          <a:p>
+            <a:pPr lvl="0"/>
+            <a:r>
+              <a:rPr lang="en-US" dirty="0" smtClean="0"/>
+              <a:t>First level</a:t>
+            </a:r>
+          </a:p>
+          <a:p>
+            <a:pPr lvl="1"/>
+            <a:r>
+              <a:rPr lang="en-US" dirty="0" smtClean="0"/>
+              <a:t>Second level</a:t>
+            </a:r>
+          </a:p>
+          <a:p>
+            <a:pPr lvl="2"/>
+            <a:r>
+              <a:rPr lang="en-US" dirty="0" smtClean="0"/>
+              <a:t>Third level</a:t>
+            </a:r>
+          </a:p>
+          <a:p>
+            <a:pPr lvl="3"/>
+            <a:r>
+              <a:rPr lang="en-US" dirty="0" smtClean="0"/>
+              <a:t>Fourth level</a:t>
+            </a:r>
+          </a:p>
+        </p:txBody>
+      </p:sp>
+    </p:spTree>
+    <p:extLst>
+      <p:ext uri="{BB962C8B-B14F-4D97-AF65-F5344CB8AC3E}">
+        <p14:creationId xmlns:p14="http://schemas.microsoft.com/office/powerpoint/2010/main" val="399551089"/>
+      </p:ext>
+    </p:extLst>
+  </p:cSld>
+  <p:clrMapOvr>
+    <a:masterClrMapping/>
+  </p:clrMapOvr>
+  <mc:AlternateContent xmlns:mc="http://schemas.openxmlformats.org/markup-compatibility/2006" xmlns:p14="http://schemas.microsoft.com/office/powerpoint/2010/main">
+    <mc:Choice Requires="p14">
+      <p:transition spd="slow" p14:dur="2000"/>
+    </mc:Choice>
+    <mc:Fallback xmlns="">
+      <p:transition spd="slow"/>
+    </mc:Fallback>
+  </mc:AlternateContent>
+  <p:timing>
+    <p:tnLst>
+      <p:par>
+        <p:cTn id="1" dur="indefinite" restart="never" nodeType="tmRoot"/>
+      </p:par>
+    </p:tnLst>
+  </p:timing>
 </p:sldLayout>
 </file>
 
@@ -4800,7 +5664,7 @@
           <p:cNvPr id="2" name="Title Placeholder 1">
             <a:extLst>
               <a:ext uri="{FF2B5EF4-FFF2-40B4-BE49-F238E27FC236}">
-                <a16:creationId xmlns="" xmlns:a16="http://schemas.microsoft.com/office/drawing/2014/main" id="{BFDBEFBF-B0BA-4B7E-9751-D7DF06C9D4D6}"/>
+                <a16:creationId xmlns:a16="http://schemas.microsoft.com/office/drawing/2014/main" xmlns="" id="{BFDBEFBF-B0BA-4B7E-9751-D7DF06C9D4D6}"/>
               </a:ext>
             </a:extLst>
           </p:cNvPr>
@@ -4813,8 +5677,8 @@
         </p:nvSpPr>
         <p:spPr>
           <a:xfrm>
-            <a:off x="371475" y="726968"/>
-            <a:ext cx="7300913" cy="304699"/>
+            <a:off x="495171" y="726969"/>
+            <a:ext cx="9732016" cy="304699"/>
           </a:xfrm>
           <a:prstGeom prst="rect">
             <a:avLst/>
@@ -4843,7 +5707,7 @@
           <p:nvPr/>
         </p:nvPicPr>
         <p:blipFill>
-          <a:blip r:embed="rId9" cstate="print">
+          <a:blip r:embed="rId13" cstate="print">
             <a:extLst>
               <a:ext uri="{28A0092B-C50C-407E-A947-70E740481C1C}">
                 <a14:useLocalDpi xmlns:a14="http://schemas.microsoft.com/office/drawing/2010/main" val="0"/>
@@ -4856,8 +5720,8 @@
         </p:blipFill>
         <p:spPr>
           <a:xfrm>
-            <a:off x="7947565" y="481860"/>
-            <a:ext cx="809244" cy="380356"/>
+            <a:off x="10593994" y="481860"/>
+            <a:ext cx="1078711" cy="380356"/>
           </a:xfrm>
           <a:prstGeom prst="rect">
             <a:avLst/>
@@ -4872,8 +5736,8 @@
         </p:nvGrpSpPr>
         <p:grpSpPr>
           <a:xfrm>
-            <a:off x="371475" y="6757072"/>
-            <a:ext cx="8772526" cy="100584"/>
+            <a:off x="495171" y="6757072"/>
+            <a:ext cx="11693655" cy="100584"/>
             <a:chOff x="495300" y="6757072"/>
             <a:chExt cx="11696701" cy="100584"/>
           </a:xfrm>
@@ -5573,7 +6437,7 @@
           <p:cNvPr id="21" name="Text Placeholder 8">
             <a:extLst>
               <a:ext uri="{FF2B5EF4-FFF2-40B4-BE49-F238E27FC236}">
-                <a16:creationId xmlns="" xmlns:a16="http://schemas.microsoft.com/office/drawing/2014/main" id="{892BE935-04BA-4E32-8A7F-5CA884C27996}"/>
+                <a16:creationId xmlns:a16="http://schemas.microsoft.com/office/drawing/2014/main" xmlns="" id="{892BE935-04BA-4E32-8A7F-5CA884C27996}"/>
               </a:ext>
             </a:extLst>
           </p:cNvPr>
@@ -5584,8 +6448,8 @@
         </p:nvSpPr>
         <p:spPr>
           <a:xfrm>
-            <a:off x="7035827" y="6524583"/>
-            <a:ext cx="1559321" cy="110800"/>
+            <a:off x="9378660" y="6524583"/>
+            <a:ext cx="2078553" cy="110800"/>
           </a:xfrm>
           <a:prstGeom prst="rect">
             <a:avLst/>
@@ -5821,7 +6685,7 @@
           <p:cNvPr id="23" name="Text Placeholder 8">
             <a:extLst>
               <a:ext uri="{FF2B5EF4-FFF2-40B4-BE49-F238E27FC236}">
-                <a16:creationId xmlns="" xmlns:a16="http://schemas.microsoft.com/office/drawing/2014/main" id="{892BE935-04BA-4E32-8A7F-5CA884C27996}"/>
+                <a16:creationId xmlns:a16="http://schemas.microsoft.com/office/drawing/2014/main" xmlns="" id="{892BE935-04BA-4E32-8A7F-5CA884C27996}"/>
               </a:ext>
             </a:extLst>
           </p:cNvPr>
@@ -5832,8 +6696,8 @@
         </p:nvSpPr>
         <p:spPr>
           <a:xfrm>
-            <a:off x="8868916" y="6517657"/>
-            <a:ext cx="144271" cy="124650"/>
+            <a:off x="11846163" y="6517657"/>
+            <a:ext cx="144270" cy="124650"/>
           </a:xfrm>
           <a:prstGeom prst="rect">
             <a:avLst/>
@@ -6038,8 +6902,8 @@
         </p:nvCxnSpPr>
         <p:spPr>
           <a:xfrm flipH="1">
-            <a:off x="8728101" y="6529388"/>
-            <a:ext cx="24779" cy="102250"/>
+            <a:off x="11634438" y="6529388"/>
+            <a:ext cx="33030" cy="102250"/>
           </a:xfrm>
           <a:prstGeom prst="line">
             <a:avLst/>
@@ -6077,8 +6941,8 @@
         </p:nvSpPr>
         <p:spPr>
           <a:xfrm>
-            <a:off x="371475" y="1600200"/>
-            <a:ext cx="8401050" cy="4564062"/>
+            <a:off x="495171" y="1600200"/>
+            <a:ext cx="11198483" cy="4564062"/>
           </a:xfrm>
           <a:prstGeom prst="rect">
             <a:avLst/>
@@ -6135,6 +6999,10 @@
     <p:sldLayoutId id="2147483665" r:id="rId5"/>
     <p:sldLayoutId id="2147483666" r:id="rId6"/>
     <p:sldLayoutId id="2147483667" r:id="rId7"/>
+    <p:sldLayoutId id="2147483668" r:id="rId8"/>
+    <p:sldLayoutId id="2147483669" r:id="rId9"/>
+    <p:sldLayoutId id="2147483670" r:id="rId10"/>
+    <p:sldLayoutId id="2147483671" r:id="rId11"/>
   </p:sldLayoutIdLst>
   <p:timing>
     <p:tnLst>
@@ -6461,7 +7329,7 @@
   </p:txStyles>
   <p:extLst mod="1">
     <p:ext uri="{27BBF7A9-308A-43DC-89C8-2F10F3537804}">
-      <p15:sldGuideLst xmlns="" xmlns:p15="http://schemas.microsoft.com/office/powerpoint/2012/main">
+      <p15:sldGuideLst xmlns:p15="http://schemas.microsoft.com/office/powerpoint/2012/main">
         <p15:guide id="1" pos="3840" userDrawn="1">
           <p15:clr>
             <a:srgbClr val="F26B43"/>
@@ -6542,7 +7410,13 @@
       </p:grpSpPr>
       <p:sp>
         <p:nvSpPr>
-          <p:cNvPr id="6" name="Project Title"/>
+          <p:cNvPr id="2" name="Project Title">
+            <a:extLst>
+              <a:ext uri="{FF2B5EF4-FFF2-40B4-BE49-F238E27FC236}">
+                <a16:creationId xmlns="" xmlns:a16="http://schemas.microsoft.com/office/drawing/2014/main" id="{C000E7C6-F6BF-4802-869B-66C1F963881C}"/>
+              </a:ext>
+            </a:extLst>
+          </p:cNvPr>
           <p:cNvSpPr>
             <a:spLocks noGrp="1"/>
           </p:cNvSpPr>
@@ -6550,18 +7424,37 @@
             <p:ph type="title"/>
           </p:nvPr>
         </p:nvSpPr>
-        <p:spPr/>
+        <p:spPr>
+          <a:xfrm>
+            <a:off x="1127016" y="2442210"/>
+            <a:ext cx="7587012" cy="986790"/>
+          </a:xfrm>
+        </p:spPr>
         <p:txBody>
           <a:bodyPr/>
           <a:lstStyle/>
           <a:p>
-            <a:endParaRPr lang="en-GB" dirty="0"/>
-          </a:p>
-        </p:txBody>
-      </p:sp>
-      <p:sp>
-        <p:nvSpPr>
-          <p:cNvPr id="7" name="Client Name"/>
+            <a:r>
+              <a:rPr lang="en-IE" dirty="0" smtClean="0"/>
+              <a:t>Project Title</a:t>
+            </a:r>
+            <a:endParaRPr lang="en-IE" sz="3600" b="0" dirty="0">
+              <a:solidFill>
+                <a:schemeClr val="bg2"/>
+              </a:solidFill>
+            </a:endParaRPr>
+          </a:p>
+        </p:txBody>
+      </p:sp>
+      <p:sp>
+        <p:nvSpPr>
+          <p:cNvPr id="3" name="Client Name">
+            <a:extLst>
+              <a:ext uri="{FF2B5EF4-FFF2-40B4-BE49-F238E27FC236}">
+                <a16:creationId xmlns="" xmlns:a16="http://schemas.microsoft.com/office/drawing/2014/main" id="{82BC0FED-4F19-4633-9DCC-4B38EE47BDF9}"/>
+              </a:ext>
+            </a:extLst>
+          </p:cNvPr>
           <p:cNvSpPr>
             <a:spLocks noGrp="1"/>
           </p:cNvSpPr>
@@ -6574,13 +7467,34 @@
           <a:bodyPr/>
           <a:lstStyle/>
           <a:p>
-            <a:endParaRPr lang="en-GB" dirty="0"/>
-          </a:p>
-        </p:txBody>
-      </p:sp>
-      <p:sp>
-        <p:nvSpPr>
-          <p:cNvPr id="8" name="Project Date"/>
+            <a:pPr marL="0" indent="0">
+              <a:buNone/>
+            </a:pPr>
+            <a:r>
+              <a:rPr lang="en-IE" dirty="0" smtClean="0">
+                <a:solidFill>
+                  <a:schemeClr val="bg2"/>
+                </a:solidFill>
+              </a:rPr>
+              <a:t>Client Name</a:t>
+            </a:r>
+            <a:endParaRPr lang="en-IE" dirty="0">
+              <a:solidFill>
+                <a:schemeClr val="bg2"/>
+              </a:solidFill>
+            </a:endParaRPr>
+          </a:p>
+        </p:txBody>
+      </p:sp>
+      <p:sp>
+        <p:nvSpPr>
+          <p:cNvPr id="4" name="Project Date">
+            <a:extLst>
+              <a:ext uri="{FF2B5EF4-FFF2-40B4-BE49-F238E27FC236}">
+                <a16:creationId xmlns="" xmlns:a16="http://schemas.microsoft.com/office/drawing/2014/main" id="{6A7C39BF-A1FE-4162-9716-FEC8AE952F7F}"/>
+              </a:ext>
+            </a:extLst>
+          </p:cNvPr>
           <p:cNvSpPr>
             <a:spLocks noGrp="1"/>
           </p:cNvSpPr>
@@ -6588,25 +7502,164 @@
             <p:ph type="body" sz="quarter" idx="13"/>
           </p:nvPr>
         </p:nvSpPr>
-        <p:spPr/>
-        <p:txBody>
-          <a:bodyPr/>
+        <p:spPr>
+          <a:xfrm>
+            <a:off x="1126832" y="4415608"/>
+            <a:ext cx="4562273" cy="284163"/>
+          </a:xfrm>
+        </p:spPr>
+        <p:txBody>
+          <a:bodyPr>
+            <a:normAutofit/>
+          </a:bodyPr>
           <a:lstStyle/>
           <a:p>
-            <a:endParaRPr lang="en-GB"/>
+            <a:pPr marL="0" indent="0">
+              <a:buNone/>
+            </a:pPr>
+            <a:r>
+              <a:rPr lang="en-IE" dirty="0">
+                <a:latin typeface="+mj-lt"/>
+              </a:rPr>
+              <a:t>Date (</a:t>
+            </a:r>
+            <a:r>
+              <a:rPr lang="en-IE" dirty="0" smtClean="0">
+                <a:latin typeface="+mj-lt"/>
+              </a:rPr>
+              <a:t>US / UK </a:t>
+            </a:r>
+            <a:r>
+              <a:rPr lang="en-IE" dirty="0">
+                <a:latin typeface="+mj-lt"/>
+              </a:rPr>
+              <a:t>format)</a:t>
+            </a:r>
+          </a:p>
+        </p:txBody>
+      </p:sp>
+      <p:sp>
+        <p:nvSpPr>
+          <p:cNvPr id="5" name="Rectangle 4"/>
+          <p:cNvSpPr/>
+          <p:nvPr/>
+        </p:nvSpPr>
+        <p:spPr>
+          <a:xfrm>
+            <a:off x="8862157" y="5483543"/>
+            <a:ext cx="2831497" cy="663259"/>
+          </a:xfrm>
+          <a:prstGeom prst="rect">
+            <a:avLst/>
+          </a:prstGeom>
+          <a:noFill/>
+          <a:ln w="3175">
+            <a:noFill/>
+            <a:prstDash val="dash"/>
+          </a:ln>
+        </p:spPr>
+        <p:style>
+          <a:lnRef idx="2">
+            <a:schemeClr val="accent1">
+              <a:shade val="50000"/>
+            </a:schemeClr>
+          </a:lnRef>
+          <a:fillRef idx="1">
+            <a:schemeClr val="accent1"/>
+          </a:fillRef>
+          <a:effectRef idx="0">
+            <a:schemeClr val="accent1"/>
+          </a:effectRef>
+          <a:fontRef idx="minor">
+            <a:schemeClr val="lt1"/>
+          </a:fontRef>
+        </p:style>
+        <p:txBody>
+          <a:bodyPr rtlCol="0" anchor="ctr"/>
+          <a:lstStyle/>
+          <a:p>
+            <a:pPr algn="ctr"/>
+            <a:r>
+              <a:rPr lang="en-US" sz="2000" b="1" dirty="0" smtClean="0">
+                <a:solidFill>
+                  <a:schemeClr val="accent2">
+                    <a:lumMod val="20000"/>
+                    <a:lumOff val="80000"/>
+                  </a:schemeClr>
+                </a:solidFill>
+                <a:latin typeface="+mj-lt"/>
+                <a:cs typeface="Calibri" pitchFamily="34" charset="0"/>
+              </a:rPr>
+              <a:t>NO CLIENT LOGO TO BE USED ON THIS PAGE</a:t>
+            </a:r>
+            <a:endParaRPr lang="en-US" sz="2000" b="1" dirty="0">
+              <a:solidFill>
+                <a:schemeClr val="accent2">
+                  <a:lumMod val="20000"/>
+                  <a:lumOff val="80000"/>
+                </a:schemeClr>
+              </a:solidFill>
+              <a:latin typeface="+mj-lt"/>
+              <a:cs typeface="Calibri" pitchFamily="34" charset="0"/>
+            </a:endParaRPr>
           </a:p>
         </p:txBody>
       </p:sp>
     </p:spTree>
     <p:extLst>
       <p:ext uri="{BB962C8B-B14F-4D97-AF65-F5344CB8AC3E}">
-        <p14:creationId xmlns:p14="http://schemas.microsoft.com/office/powerpoint/2010/main" val="1989422226"/>
+        <p14:creationId xmlns:p14="http://schemas.microsoft.com/office/powerpoint/2010/main" val="3206349394"/>
       </p:ext>
     </p:extLst>
   </p:cSld>
   <p:clrMapOvr>
     <a:masterClrMapping/>
   </p:clrMapOvr>
+  <p:timing>
+    <p:tnLst>
+      <p:par>
+        <p:cTn id="1" dur="indefinite" restart="never" nodeType="tmRoot"/>
+      </p:par>
+    </p:tnLst>
+  </p:timing>
+</p:sld>
+</file>
+
+<file path=ppt/slides/slide10.xml><?xml version="1.0" encoding="utf-8"?>
+<p:sld xmlns:a="http://schemas.openxmlformats.org/drawingml/2006/main" xmlns:r="http://schemas.openxmlformats.org/officeDocument/2006/relationships" xmlns:p="http://schemas.openxmlformats.org/presentationml/2006/main">
+  <p:cSld>
+    <p:spTree>
+      <p:nvGrpSpPr>
+        <p:cNvPr id="1" name=""/>
+        <p:cNvGrpSpPr/>
+        <p:nvPr/>
+      </p:nvGrpSpPr>
+      <p:grpSpPr>
+        <a:xfrm>
+          <a:off x="0" y="0"/>
+          <a:ext cx="0" cy="0"/>
+          <a:chOff x="0" y="0"/>
+          <a:chExt cx="0" cy="0"/>
+        </a:xfrm>
+      </p:grpSpPr>
+    </p:spTree>
+    <p:extLst>
+      <p:ext uri="{BB962C8B-B14F-4D97-AF65-F5344CB8AC3E}">
+        <p14:creationId xmlns:p14="http://schemas.microsoft.com/office/powerpoint/2010/main" val="2877158308"/>
+      </p:ext>
+    </p:extLst>
+  </p:cSld>
+  <p:clrMapOvr>
+    <a:masterClrMapping/>
+  </p:clrMapOvr>
+  <mc:AlternateContent xmlns:mc="http://schemas.openxmlformats.org/markup-compatibility/2006" xmlns:p14="http://schemas.microsoft.com/office/powerpoint/2010/main">
+    <mc:Choice Requires="p14">
+      <p:transition spd="slow" p14:dur="2000"/>
+    </mc:Choice>
+    <mc:Fallback xmlns="">
+      <p:transition spd="slow"/>
+    </mc:Fallback>
+  </mc:AlternateContent>
 </p:sld>
 </file>
 
@@ -6629,7 +7682,7 @@
       </p:grpSpPr>
       <p:sp>
         <p:nvSpPr>
-          <p:cNvPr id="2" name="Content Title"/>
+          <p:cNvPr id="7" name="Content Title"/>
           <p:cNvSpPr>
             <a:spLocks noGrp="1"/>
           </p:cNvSpPr>
@@ -6642,13 +7695,13 @@
           <a:bodyPr/>
           <a:lstStyle/>
           <a:p>
-            <a:endParaRPr lang="en-GB" dirty="0"/>
-          </a:p>
-        </p:txBody>
-      </p:sp>
-      <p:sp>
-        <p:nvSpPr>
-          <p:cNvPr id="3" name="Content Section"/>
+            <a:endParaRPr lang="en-US"/>
+          </a:p>
+        </p:txBody>
+      </p:sp>
+      <p:sp>
+        <p:nvSpPr>
+          <p:cNvPr id="8" name="Content Section"/>
           <p:cNvSpPr>
             <a:spLocks noGrp="1"/>
           </p:cNvSpPr>
@@ -6658,25 +7711,21 @@
         </p:nvSpPr>
         <p:spPr>
           <a:xfrm>
-            <a:off x="371475" y="2095501"/>
-            <a:ext cx="4029075" cy="221599"/>
+            <a:off x="495172" y="2095502"/>
+            <a:ext cx="5370701" cy="221599"/>
           </a:xfrm>
         </p:spPr>
         <p:txBody>
           <a:bodyPr/>
           <a:lstStyle/>
           <a:p>
-            <a:r>
-              <a:rPr lang="en-GB" dirty="0" smtClean="0"/>
-              <a:t> </a:t>
-            </a:r>
-            <a:endParaRPr lang="en-GB" dirty="0"/>
-          </a:p>
-        </p:txBody>
-      </p:sp>
-      <p:sp>
-        <p:nvSpPr>
-          <p:cNvPr id="4" name="Content Number"/>
+            <a:endParaRPr lang="en-US" dirty="0"/>
+          </a:p>
+        </p:txBody>
+      </p:sp>
+      <p:sp>
+        <p:nvSpPr>
+          <p:cNvPr id="9" name="Content Number"/>
           <p:cNvSpPr>
             <a:spLocks noGrp="1"/>
           </p:cNvSpPr>
@@ -6686,20 +7735,15 @@
         </p:nvSpPr>
         <p:spPr>
           <a:xfrm>
-            <a:off x="4743450" y="2095500"/>
-            <a:ext cx="685800" cy="221599"/>
+            <a:off x="6322953" y="2095501"/>
+            <a:ext cx="914162" cy="221599"/>
           </a:xfrm>
         </p:spPr>
         <p:txBody>
           <a:bodyPr/>
           <a:lstStyle/>
           <a:p>
-            <a:pPr>
-              <a:spcAft>
-                <a:spcPts val="0"/>
-              </a:spcAft>
-            </a:pPr>
-            <a:endParaRPr lang="en-GB" dirty="0"/>
+            <a:endParaRPr lang="en-US"/>
           </a:p>
         </p:txBody>
       </p:sp>
@@ -6839,6 +7883,106 @@
           </a:p>
         </p:txBody>
       </p:sp>
+      <p:sp>
+        <p:nvSpPr>
+          <p:cNvPr id="2" name="Road Map"/>
+          <p:cNvSpPr txBox="1">
+            <a:spLocks/>
+          </p:cNvSpPr>
+          <p:nvPr/>
+        </p:nvSpPr>
+        <p:spPr>
+          <a:xfrm>
+            <a:off x="495300" y="458089"/>
+            <a:ext cx="7667752" cy="193929"/>
+          </a:xfrm>
+          <a:prstGeom prst="rect">
+            <a:avLst/>
+          </a:prstGeom>
+          <a:noFill/>
+        </p:spPr>
+        <p:txBody>
+          <a:bodyPr vert="horz" wrap="square" lIns="0" tIns="0" rIns="0" bIns="0" rtlCol="0" anchor="t">
+            <a:spAutoFit/>
+          </a:bodyPr>
+          <a:lstStyle/>
+          <a:p>
+            <a:pPr>
+              <a:lnSpc>
+                <a:spcPct val="90000"/>
+              </a:lnSpc>
+              <a:spcAft>
+                <a:spcPts val="300"/>
+              </a:spcAft>
+            </a:pPr>
+            <a:r>
+              <a:rPr lang="en-US" sz="1400" b="1" spc="100" dirty="0" smtClean="0">
+                <a:solidFill>
+                  <a:srgbClr val="007266"/>
+                </a:solidFill>
+                <a:latin typeface="Corbel" panose="020B0503020204020204" pitchFamily="34" charset="0"/>
+              </a:rPr>
+              <a:t>Road Map</a:t>
+            </a:r>
+            <a:endParaRPr lang="en-US" sz="1400" b="1" spc="100" dirty="0">
+              <a:solidFill>
+                <a:srgbClr val="007266"/>
+              </a:solidFill>
+              <a:latin typeface="Corbel" panose="020B0503020204020204" pitchFamily="34" charset="0"/>
+            </a:endParaRPr>
+          </a:p>
+        </p:txBody>
+      </p:sp>
+      <p:sp>
+        <p:nvSpPr>
+          <p:cNvPr id="3" name="Source Box"/>
+          <p:cNvSpPr txBox="1">
+            <a:spLocks/>
+          </p:cNvSpPr>
+          <p:nvPr/>
+        </p:nvSpPr>
+        <p:spPr>
+          <a:xfrm>
+            <a:off x="493776" y="6528816"/>
+            <a:ext cx="8353425" cy="110744"/>
+          </a:xfrm>
+          <a:prstGeom prst="rect">
+            <a:avLst/>
+          </a:prstGeom>
+          <a:noFill/>
+        </p:spPr>
+        <p:txBody>
+          <a:bodyPr vert="horz" wrap="square" lIns="0" tIns="0" rIns="0" bIns="0" rtlCol="0" anchor="b">
+            <a:spAutoFit/>
+          </a:bodyPr>
+          <a:lstStyle/>
+          <a:p>
+            <a:pPr hangingPunct="0">
+              <a:lnSpc>
+                <a:spcPct val="90000"/>
+              </a:lnSpc>
+              <a:spcAft>
+                <a:spcPts val="300"/>
+              </a:spcAft>
+            </a:pPr>
+            <a:r>
+              <a:rPr lang="en-US" sz="800" smtClean="0">
+                <a:solidFill>
+                  <a:srgbClr val="1E2A39"/>
+                </a:solidFill>
+                <a:latin typeface="Corbel" panose="020B0503020204020204" pitchFamily="34" charset="0"/>
+              </a:rPr>
+              <a:t>Source:</a:t>
+            </a:r>
+            <a:endParaRPr lang="en-US" sz="800">
+              <a:solidFill>
+                <a:srgbClr val="1E2A39"/>
+              </a:solidFill>
+              <a:latin typeface="Corbel" panose="020B0503020204020204" pitchFamily="34" charset="0"/>
+            </a:endParaRPr>
+          </a:p>
+        </p:txBody>
+      </p:sp>
     </p:spTree>
     <p:extLst>
       <p:ext uri="{BB962C8B-B14F-4D97-AF65-F5344CB8AC3E}">
@@ -6923,6 +8067,106 @@
           <a:lstStyle/>
           <a:p>
             <a:endParaRPr lang="en-GB" dirty="0"/>
+          </a:p>
+        </p:txBody>
+      </p:sp>
+      <p:sp>
+        <p:nvSpPr>
+          <p:cNvPr id="2" name="Road Map"/>
+          <p:cNvSpPr txBox="1">
+            <a:spLocks/>
+          </p:cNvSpPr>
+          <p:nvPr/>
+        </p:nvSpPr>
+        <p:spPr>
+          <a:xfrm>
+            <a:off x="495300" y="458089"/>
+            <a:ext cx="7667752" cy="193929"/>
+          </a:xfrm>
+          <a:prstGeom prst="rect">
+            <a:avLst/>
+          </a:prstGeom>
+          <a:noFill/>
+        </p:spPr>
+        <p:txBody>
+          <a:bodyPr vert="horz" wrap="square" lIns="0" tIns="0" rIns="0" bIns="0" rtlCol="0" anchor="t">
+            <a:spAutoFit/>
+          </a:bodyPr>
+          <a:lstStyle/>
+          <a:p>
+            <a:pPr>
+              <a:lnSpc>
+                <a:spcPct val="90000"/>
+              </a:lnSpc>
+              <a:spcAft>
+                <a:spcPts val="300"/>
+              </a:spcAft>
+            </a:pPr>
+            <a:r>
+              <a:rPr lang="en-US" sz="1400" b="1" spc="100" dirty="0" smtClean="0">
+                <a:solidFill>
+                  <a:srgbClr val="007266"/>
+                </a:solidFill>
+                <a:latin typeface="Corbel" panose="020B0503020204020204" pitchFamily="34" charset="0"/>
+              </a:rPr>
+              <a:t>Road Map</a:t>
+            </a:r>
+            <a:endParaRPr lang="en-US" sz="1400" b="1" spc="100" dirty="0">
+              <a:solidFill>
+                <a:srgbClr val="007266"/>
+              </a:solidFill>
+              <a:latin typeface="Corbel" panose="020B0503020204020204" pitchFamily="34" charset="0"/>
+            </a:endParaRPr>
+          </a:p>
+        </p:txBody>
+      </p:sp>
+      <p:sp>
+        <p:nvSpPr>
+          <p:cNvPr id="3" name="Source Box"/>
+          <p:cNvSpPr txBox="1">
+            <a:spLocks/>
+          </p:cNvSpPr>
+          <p:nvPr/>
+        </p:nvSpPr>
+        <p:spPr>
+          <a:xfrm>
+            <a:off x="493776" y="6528816"/>
+            <a:ext cx="8353425" cy="110744"/>
+          </a:xfrm>
+          <a:prstGeom prst="rect">
+            <a:avLst/>
+          </a:prstGeom>
+          <a:noFill/>
+        </p:spPr>
+        <p:txBody>
+          <a:bodyPr vert="horz" wrap="square" lIns="0" tIns="0" rIns="0" bIns="0" rtlCol="0" anchor="b">
+            <a:spAutoFit/>
+          </a:bodyPr>
+          <a:lstStyle/>
+          <a:p>
+            <a:pPr hangingPunct="0">
+              <a:lnSpc>
+                <a:spcPct val="90000"/>
+              </a:lnSpc>
+              <a:spcAft>
+                <a:spcPts val="300"/>
+              </a:spcAft>
+            </a:pPr>
+            <a:r>
+              <a:rPr lang="en-US" sz="800" smtClean="0">
+                <a:solidFill>
+                  <a:srgbClr val="1E2A39"/>
+                </a:solidFill>
+                <a:latin typeface="Corbel" panose="020B0503020204020204" pitchFamily="34" charset="0"/>
+              </a:rPr>
+              <a:t>Source:</a:t>
+            </a:r>
+            <a:endParaRPr lang="en-US" sz="800">
+              <a:solidFill>
+                <a:srgbClr val="1E2A39"/>
+              </a:solidFill>
+              <a:latin typeface="Corbel" panose="020B0503020204020204" pitchFamily="34" charset="0"/>
+            </a:endParaRPr>
           </a:p>
         </p:txBody>
       </p:sp>
@@ -6964,24 +8208,763 @@
           <a:chExt cx="0" cy="0"/>
         </a:xfrm>
       </p:grpSpPr>
+      <p:sp>
+        <p:nvSpPr>
+          <p:cNvPr id="5" name="Title 4"/>
+          <p:cNvSpPr>
+            <a:spLocks noGrp="1"/>
+          </p:cNvSpPr>
+          <p:nvPr>
+            <p:ph type="title"/>
+          </p:nvPr>
+        </p:nvSpPr>
+        <p:spPr/>
+        <p:txBody>
+          <a:bodyPr/>
+          <a:lstStyle/>
+          <a:p>
+            <a:endParaRPr lang="en-GB"/>
+          </a:p>
+        </p:txBody>
+      </p:sp>
+      <p:sp>
+        <p:nvSpPr>
+          <p:cNvPr id="6" name="Text Placeholder 5"/>
+          <p:cNvSpPr>
+            <a:spLocks noGrp="1"/>
+          </p:cNvSpPr>
+          <p:nvPr>
+            <p:ph type="body" sz="quarter" idx="12"/>
+          </p:nvPr>
+        </p:nvSpPr>
+        <p:spPr/>
+        <p:txBody>
+          <a:bodyPr/>
+          <a:lstStyle/>
+          <a:p>
+            <a:endParaRPr lang="en-GB"/>
+          </a:p>
+        </p:txBody>
+      </p:sp>
+      <p:sp>
+        <p:nvSpPr>
+          <p:cNvPr id="7" name="Text Placeholder 6"/>
+          <p:cNvSpPr>
+            <a:spLocks noGrp="1"/>
+          </p:cNvSpPr>
+          <p:nvPr>
+            <p:ph type="body" sz="quarter" idx="13"/>
+          </p:nvPr>
+        </p:nvSpPr>
+        <p:spPr/>
+        <p:txBody>
+          <a:bodyPr/>
+          <a:lstStyle/>
+          <a:p>
+            <a:endParaRPr lang="en-GB"/>
+          </a:p>
+        </p:txBody>
+      </p:sp>
+      <p:sp>
+        <p:nvSpPr>
+          <p:cNvPr id="8" name="Text Placeholder 7"/>
+          <p:cNvSpPr>
+            <a:spLocks noGrp="1"/>
+          </p:cNvSpPr>
+          <p:nvPr>
+            <p:ph type="body" sz="quarter" idx="14"/>
+          </p:nvPr>
+        </p:nvSpPr>
+        <p:spPr/>
+        <p:txBody>
+          <a:bodyPr/>
+          <a:lstStyle/>
+          <a:p>
+            <a:endParaRPr lang="en-GB"/>
+          </a:p>
+        </p:txBody>
+      </p:sp>
+      <p:sp>
+        <p:nvSpPr>
+          <p:cNvPr id="9" name="Text Placeholder 8"/>
+          <p:cNvSpPr>
+            <a:spLocks noGrp="1"/>
+          </p:cNvSpPr>
+          <p:nvPr>
+            <p:ph type="body" sz="quarter" idx="15"/>
+          </p:nvPr>
+        </p:nvSpPr>
+        <p:spPr/>
+        <p:txBody>
+          <a:bodyPr/>
+          <a:lstStyle/>
+          <a:p>
+            <a:endParaRPr lang="en-GB"/>
+          </a:p>
+        </p:txBody>
+      </p:sp>
+      <p:sp>
+        <p:nvSpPr>
+          <p:cNvPr id="2" name="Road Map"/>
+          <p:cNvSpPr txBox="1">
+            <a:spLocks/>
+          </p:cNvSpPr>
+          <p:nvPr/>
+        </p:nvSpPr>
+        <p:spPr>
+          <a:xfrm>
+            <a:off x="495300" y="458089"/>
+            <a:ext cx="7667752" cy="193929"/>
+          </a:xfrm>
+          <a:prstGeom prst="rect">
+            <a:avLst/>
+          </a:prstGeom>
+          <a:noFill/>
+        </p:spPr>
+        <p:txBody>
+          <a:bodyPr vert="horz" wrap="square" lIns="0" tIns="0" rIns="0" bIns="0" rtlCol="0" anchor="t">
+            <a:spAutoFit/>
+          </a:bodyPr>
+          <a:lstStyle/>
+          <a:p>
+            <a:pPr>
+              <a:lnSpc>
+                <a:spcPct val="90000"/>
+              </a:lnSpc>
+              <a:spcAft>
+                <a:spcPts val="300"/>
+              </a:spcAft>
+            </a:pPr>
+            <a:r>
+              <a:rPr lang="en-US" sz="1400" b="1" spc="100" dirty="0" smtClean="0">
+                <a:solidFill>
+                  <a:srgbClr val="007266"/>
+                </a:solidFill>
+                <a:latin typeface="Corbel" panose="020B0503020204020204" pitchFamily="34" charset="0"/>
+              </a:rPr>
+              <a:t>Road Map</a:t>
+            </a:r>
+            <a:endParaRPr lang="en-US" sz="1400" b="1" spc="100" dirty="0">
+              <a:solidFill>
+                <a:srgbClr val="007266"/>
+              </a:solidFill>
+              <a:latin typeface="Corbel" panose="020B0503020204020204" pitchFamily="34" charset="0"/>
+            </a:endParaRPr>
+          </a:p>
+        </p:txBody>
+      </p:sp>
+      <p:sp>
+        <p:nvSpPr>
+          <p:cNvPr id="3" name="Source Box"/>
+          <p:cNvSpPr txBox="1">
+            <a:spLocks/>
+          </p:cNvSpPr>
+          <p:nvPr/>
+        </p:nvSpPr>
+        <p:spPr>
+          <a:xfrm>
+            <a:off x="493776" y="6528816"/>
+            <a:ext cx="8353425" cy="110744"/>
+          </a:xfrm>
+          <a:prstGeom prst="rect">
+            <a:avLst/>
+          </a:prstGeom>
+          <a:noFill/>
+        </p:spPr>
+        <p:txBody>
+          <a:bodyPr vert="horz" wrap="square" lIns="0" tIns="0" rIns="0" bIns="0" rtlCol="0" anchor="b">
+            <a:spAutoFit/>
+          </a:bodyPr>
+          <a:lstStyle/>
+          <a:p>
+            <a:pPr hangingPunct="0">
+              <a:lnSpc>
+                <a:spcPct val="90000"/>
+              </a:lnSpc>
+              <a:spcAft>
+                <a:spcPts val="300"/>
+              </a:spcAft>
+            </a:pPr>
+            <a:r>
+              <a:rPr lang="en-US" sz="800" smtClean="0">
+                <a:solidFill>
+                  <a:srgbClr val="1E2A39"/>
+                </a:solidFill>
+                <a:latin typeface="Corbel" panose="020B0503020204020204" pitchFamily="34" charset="0"/>
+              </a:rPr>
+              <a:t>Source:</a:t>
+            </a:r>
+            <a:endParaRPr lang="en-US" sz="800">
+              <a:solidFill>
+                <a:srgbClr val="1E2A39"/>
+              </a:solidFill>
+              <a:latin typeface="Corbel" panose="020B0503020204020204" pitchFamily="34" charset="0"/>
+            </a:endParaRPr>
+          </a:p>
+        </p:txBody>
+      </p:sp>
     </p:spTree>
     <p:extLst>
       <p:ext uri="{BB962C8B-B14F-4D97-AF65-F5344CB8AC3E}">
-        <p14:creationId xmlns:p14="http://schemas.microsoft.com/office/powerpoint/2010/main" val="2877158308"/>
+        <p14:creationId xmlns:p14="http://schemas.microsoft.com/office/powerpoint/2010/main" val="3987686621"/>
       </p:ext>
     </p:extLst>
   </p:cSld>
   <p:clrMapOvr>
     <a:masterClrMapping/>
   </p:clrMapOvr>
-  <mc:AlternateContent xmlns:mc="http://schemas.openxmlformats.org/markup-compatibility/2006" xmlns:p14="http://schemas.microsoft.com/office/powerpoint/2010/main">
-    <mc:Choice Requires="p14">
-      <p:transition spd="slow" p14:dur="2000"/>
-    </mc:Choice>
-    <mc:Fallback xmlns="">
-      <p:transition spd="slow"/>
-    </mc:Fallback>
-  </mc:AlternateContent>
+</p:sld>
+</file>
+
+<file path=ppt/slides/slide7.xml><?xml version="1.0" encoding="utf-8"?>
+<p:sld xmlns:a="http://schemas.openxmlformats.org/drawingml/2006/main" xmlns:r="http://schemas.openxmlformats.org/officeDocument/2006/relationships" xmlns:p="http://schemas.openxmlformats.org/presentationml/2006/main">
+  <p:cSld>
+    <p:spTree>
+      <p:nvGrpSpPr>
+        <p:cNvPr id="1" name=""/>
+        <p:cNvGrpSpPr/>
+        <p:nvPr/>
+      </p:nvGrpSpPr>
+      <p:grpSpPr>
+        <a:xfrm>
+          <a:off x="0" y="0"/>
+          <a:ext cx="0" cy="0"/>
+          <a:chOff x="0" y="0"/>
+          <a:chExt cx="0" cy="0"/>
+        </a:xfrm>
+      </p:grpSpPr>
+      <p:sp>
+        <p:nvSpPr>
+          <p:cNvPr id="12" name="Chart Placeholder 11"/>
+          <p:cNvSpPr>
+            <a:spLocks noGrp="1"/>
+          </p:cNvSpPr>
+          <p:nvPr>
+            <p:ph type="chart" sz="quarter" idx="14"/>
+          </p:nvPr>
+        </p:nvSpPr>
+        <p:spPr/>
+      </p:sp>
+      <p:sp>
+        <p:nvSpPr>
+          <p:cNvPr id="10" name="Title 9"/>
+          <p:cNvSpPr>
+            <a:spLocks noGrp="1"/>
+          </p:cNvSpPr>
+          <p:nvPr>
+            <p:ph type="title"/>
+          </p:nvPr>
+        </p:nvSpPr>
+        <p:spPr/>
+        <p:txBody>
+          <a:bodyPr/>
+          <a:lstStyle/>
+          <a:p>
+            <a:endParaRPr lang="en-GB"/>
+          </a:p>
+        </p:txBody>
+      </p:sp>
+      <p:sp>
+        <p:nvSpPr>
+          <p:cNvPr id="11" name="Text Placeholder 10"/>
+          <p:cNvSpPr>
+            <a:spLocks noGrp="1"/>
+          </p:cNvSpPr>
+          <p:nvPr>
+            <p:ph type="body" sz="quarter" idx="13"/>
+          </p:nvPr>
+        </p:nvSpPr>
+        <p:spPr/>
+        <p:txBody>
+          <a:bodyPr/>
+          <a:lstStyle/>
+          <a:p>
+            <a:endParaRPr lang="en-GB"/>
+          </a:p>
+        </p:txBody>
+      </p:sp>
+      <p:sp>
+        <p:nvSpPr>
+          <p:cNvPr id="2" name="Road Map"/>
+          <p:cNvSpPr txBox="1">
+            <a:spLocks/>
+          </p:cNvSpPr>
+          <p:nvPr/>
+        </p:nvSpPr>
+        <p:spPr>
+          <a:xfrm>
+            <a:off x="495300" y="458089"/>
+            <a:ext cx="7667752" cy="193929"/>
+          </a:xfrm>
+          <a:prstGeom prst="rect">
+            <a:avLst/>
+          </a:prstGeom>
+          <a:noFill/>
+        </p:spPr>
+        <p:txBody>
+          <a:bodyPr vert="horz" wrap="square" lIns="0" tIns="0" rIns="0" bIns="0" rtlCol="0" anchor="t">
+            <a:spAutoFit/>
+          </a:bodyPr>
+          <a:lstStyle/>
+          <a:p>
+            <a:pPr>
+              <a:lnSpc>
+                <a:spcPct val="90000"/>
+              </a:lnSpc>
+              <a:spcAft>
+                <a:spcPts val="300"/>
+              </a:spcAft>
+            </a:pPr>
+            <a:r>
+              <a:rPr lang="en-US" sz="1400" b="1" spc="100" dirty="0" smtClean="0">
+                <a:solidFill>
+                  <a:srgbClr val="007266"/>
+                </a:solidFill>
+                <a:latin typeface="Corbel" panose="020B0503020204020204" pitchFamily="34" charset="0"/>
+              </a:rPr>
+              <a:t>Road Map</a:t>
+            </a:r>
+            <a:endParaRPr lang="en-US" sz="1400" b="1" spc="100" dirty="0">
+              <a:solidFill>
+                <a:srgbClr val="007266"/>
+              </a:solidFill>
+              <a:latin typeface="Corbel" panose="020B0503020204020204" pitchFamily="34" charset="0"/>
+            </a:endParaRPr>
+          </a:p>
+        </p:txBody>
+      </p:sp>
+      <p:sp>
+        <p:nvSpPr>
+          <p:cNvPr id="3" name="Source Box"/>
+          <p:cNvSpPr txBox="1">
+            <a:spLocks/>
+          </p:cNvSpPr>
+          <p:nvPr/>
+        </p:nvSpPr>
+        <p:spPr>
+          <a:xfrm>
+            <a:off x="493776" y="6528816"/>
+            <a:ext cx="8353425" cy="110744"/>
+          </a:xfrm>
+          <a:prstGeom prst="rect">
+            <a:avLst/>
+          </a:prstGeom>
+          <a:noFill/>
+        </p:spPr>
+        <p:txBody>
+          <a:bodyPr vert="horz" wrap="square" lIns="0" tIns="0" rIns="0" bIns="0" rtlCol="0" anchor="b">
+            <a:spAutoFit/>
+          </a:bodyPr>
+          <a:lstStyle/>
+          <a:p>
+            <a:pPr hangingPunct="0">
+              <a:lnSpc>
+                <a:spcPct val="90000"/>
+              </a:lnSpc>
+              <a:spcAft>
+                <a:spcPts val="300"/>
+              </a:spcAft>
+            </a:pPr>
+            <a:r>
+              <a:rPr lang="en-US" sz="800" smtClean="0">
+                <a:solidFill>
+                  <a:srgbClr val="1E2A39"/>
+                </a:solidFill>
+                <a:latin typeface="Corbel" panose="020B0503020204020204" pitchFamily="34" charset="0"/>
+              </a:rPr>
+              <a:t>Source:</a:t>
+            </a:r>
+            <a:endParaRPr lang="en-US" sz="800">
+              <a:solidFill>
+                <a:srgbClr val="1E2A39"/>
+              </a:solidFill>
+              <a:latin typeface="Corbel" panose="020B0503020204020204" pitchFamily="34" charset="0"/>
+            </a:endParaRPr>
+          </a:p>
+        </p:txBody>
+      </p:sp>
+    </p:spTree>
+    <p:extLst>
+      <p:ext uri="{BB962C8B-B14F-4D97-AF65-F5344CB8AC3E}">
+        <p14:creationId xmlns:p14="http://schemas.microsoft.com/office/powerpoint/2010/main" val="1375391773"/>
+      </p:ext>
+    </p:extLst>
+  </p:cSld>
+  <p:clrMapOvr>
+    <a:masterClrMapping/>
+  </p:clrMapOvr>
+</p:sld>
+</file>
+
+<file path=ppt/slides/slide8.xml><?xml version="1.0" encoding="utf-8"?>
+<p:sld xmlns:a="http://schemas.openxmlformats.org/drawingml/2006/main" xmlns:r="http://schemas.openxmlformats.org/officeDocument/2006/relationships" xmlns:p="http://schemas.openxmlformats.org/presentationml/2006/main">
+  <p:cSld>
+    <p:spTree>
+      <p:nvGrpSpPr>
+        <p:cNvPr id="1" name=""/>
+        <p:cNvGrpSpPr/>
+        <p:nvPr/>
+      </p:nvGrpSpPr>
+      <p:grpSpPr>
+        <a:xfrm>
+          <a:off x="0" y="0"/>
+          <a:ext cx="0" cy="0"/>
+          <a:chOff x="0" y="0"/>
+          <a:chExt cx="0" cy="0"/>
+        </a:xfrm>
+      </p:grpSpPr>
+      <p:sp>
+        <p:nvSpPr>
+          <p:cNvPr id="15" name="Chart Placeholder 14"/>
+          <p:cNvSpPr>
+            <a:spLocks noGrp="1"/>
+          </p:cNvSpPr>
+          <p:nvPr>
+            <p:ph type="chart" sz="quarter" idx="14"/>
+          </p:nvPr>
+        </p:nvSpPr>
+        <p:spPr/>
+      </p:sp>
+      <p:sp>
+        <p:nvSpPr>
+          <p:cNvPr id="13" name="Title 12"/>
+          <p:cNvSpPr>
+            <a:spLocks noGrp="1"/>
+          </p:cNvSpPr>
+          <p:nvPr>
+            <p:ph type="title"/>
+          </p:nvPr>
+        </p:nvSpPr>
+        <p:spPr/>
+        <p:txBody>
+          <a:bodyPr/>
+          <a:lstStyle/>
+          <a:p>
+            <a:endParaRPr lang="en-GB"/>
+          </a:p>
+        </p:txBody>
+      </p:sp>
+      <p:sp>
+        <p:nvSpPr>
+          <p:cNvPr id="14" name="Text Placeholder 13"/>
+          <p:cNvSpPr>
+            <a:spLocks noGrp="1"/>
+          </p:cNvSpPr>
+          <p:nvPr>
+            <p:ph type="body" sz="quarter" idx="13"/>
+          </p:nvPr>
+        </p:nvSpPr>
+        <p:spPr/>
+        <p:txBody>
+          <a:bodyPr/>
+          <a:lstStyle/>
+          <a:p>
+            <a:endParaRPr lang="en-GB"/>
+          </a:p>
+        </p:txBody>
+      </p:sp>
+      <p:sp>
+        <p:nvSpPr>
+          <p:cNvPr id="2" name="Road Map"/>
+          <p:cNvSpPr txBox="1">
+            <a:spLocks/>
+          </p:cNvSpPr>
+          <p:nvPr/>
+        </p:nvSpPr>
+        <p:spPr>
+          <a:xfrm>
+            <a:off x="495300" y="458089"/>
+            <a:ext cx="7667752" cy="193929"/>
+          </a:xfrm>
+          <a:prstGeom prst="rect">
+            <a:avLst/>
+          </a:prstGeom>
+          <a:noFill/>
+        </p:spPr>
+        <p:txBody>
+          <a:bodyPr vert="horz" wrap="square" lIns="0" tIns="0" rIns="0" bIns="0" rtlCol="0" anchor="t">
+            <a:spAutoFit/>
+          </a:bodyPr>
+          <a:lstStyle/>
+          <a:p>
+            <a:pPr>
+              <a:lnSpc>
+                <a:spcPct val="90000"/>
+              </a:lnSpc>
+              <a:spcAft>
+                <a:spcPts val="300"/>
+              </a:spcAft>
+            </a:pPr>
+            <a:r>
+              <a:rPr lang="en-US" sz="1400" b="1" spc="100" dirty="0" smtClean="0">
+                <a:solidFill>
+                  <a:srgbClr val="007266"/>
+                </a:solidFill>
+                <a:latin typeface="Corbel" panose="020B0503020204020204" pitchFamily="34" charset="0"/>
+              </a:rPr>
+              <a:t>Road Map</a:t>
+            </a:r>
+            <a:endParaRPr lang="en-US" sz="1400" b="1" spc="100" dirty="0">
+              <a:solidFill>
+                <a:srgbClr val="007266"/>
+              </a:solidFill>
+              <a:latin typeface="Corbel" panose="020B0503020204020204" pitchFamily="34" charset="0"/>
+            </a:endParaRPr>
+          </a:p>
+        </p:txBody>
+      </p:sp>
+      <p:sp>
+        <p:nvSpPr>
+          <p:cNvPr id="3" name="Source Box"/>
+          <p:cNvSpPr txBox="1">
+            <a:spLocks/>
+          </p:cNvSpPr>
+          <p:nvPr/>
+        </p:nvSpPr>
+        <p:spPr>
+          <a:xfrm>
+            <a:off x="493776" y="6528816"/>
+            <a:ext cx="8353425" cy="110744"/>
+          </a:xfrm>
+          <a:prstGeom prst="rect">
+            <a:avLst/>
+          </a:prstGeom>
+          <a:noFill/>
+        </p:spPr>
+        <p:txBody>
+          <a:bodyPr vert="horz" wrap="square" lIns="0" tIns="0" rIns="0" bIns="0" rtlCol="0" anchor="b">
+            <a:spAutoFit/>
+          </a:bodyPr>
+          <a:lstStyle/>
+          <a:p>
+            <a:pPr hangingPunct="0">
+              <a:lnSpc>
+                <a:spcPct val="90000"/>
+              </a:lnSpc>
+              <a:spcAft>
+                <a:spcPts val="300"/>
+              </a:spcAft>
+            </a:pPr>
+            <a:r>
+              <a:rPr lang="en-US" sz="800" smtClean="0">
+                <a:solidFill>
+                  <a:srgbClr val="1E2A39"/>
+                </a:solidFill>
+                <a:latin typeface="Corbel" panose="020B0503020204020204" pitchFamily="34" charset="0"/>
+              </a:rPr>
+              <a:t>Source:</a:t>
+            </a:r>
+            <a:endParaRPr lang="en-US" sz="800">
+              <a:solidFill>
+                <a:srgbClr val="1E2A39"/>
+              </a:solidFill>
+              <a:latin typeface="Corbel" panose="020B0503020204020204" pitchFamily="34" charset="0"/>
+            </a:endParaRPr>
+          </a:p>
+        </p:txBody>
+      </p:sp>
+    </p:spTree>
+    <p:extLst>
+      <p:ext uri="{BB962C8B-B14F-4D97-AF65-F5344CB8AC3E}">
+        <p14:creationId xmlns:p14="http://schemas.microsoft.com/office/powerpoint/2010/main" val="1650553425"/>
+      </p:ext>
+    </p:extLst>
+  </p:cSld>
+  <p:clrMapOvr>
+    <a:masterClrMapping/>
+  </p:clrMapOvr>
+</p:sld>
+</file>
+
+<file path=ppt/slides/slide9.xml><?xml version="1.0" encoding="utf-8"?>
+<p:sld xmlns:a="http://schemas.openxmlformats.org/drawingml/2006/main" xmlns:r="http://schemas.openxmlformats.org/officeDocument/2006/relationships" xmlns:p="http://schemas.openxmlformats.org/presentationml/2006/main">
+  <p:cSld>
+    <p:spTree>
+      <p:nvGrpSpPr>
+        <p:cNvPr id="1" name=""/>
+        <p:cNvGrpSpPr/>
+        <p:nvPr/>
+      </p:nvGrpSpPr>
+      <p:grpSpPr>
+        <a:xfrm>
+          <a:off x="0" y="0"/>
+          <a:ext cx="0" cy="0"/>
+          <a:chOff x="0" y="0"/>
+          <a:chExt cx="0" cy="0"/>
+        </a:xfrm>
+      </p:grpSpPr>
+      <p:sp>
+        <p:nvSpPr>
+          <p:cNvPr id="18" name="Chart Placeholder 17"/>
+          <p:cNvSpPr>
+            <a:spLocks noGrp="1"/>
+          </p:cNvSpPr>
+          <p:nvPr>
+            <p:ph type="chart" sz="quarter" idx="14"/>
+          </p:nvPr>
+        </p:nvSpPr>
+        <p:spPr/>
+      </p:sp>
+      <p:sp>
+        <p:nvSpPr>
+          <p:cNvPr id="16" name="Title 15"/>
+          <p:cNvSpPr>
+            <a:spLocks noGrp="1"/>
+          </p:cNvSpPr>
+          <p:nvPr>
+            <p:ph type="title"/>
+          </p:nvPr>
+        </p:nvSpPr>
+        <p:spPr/>
+        <p:txBody>
+          <a:bodyPr/>
+          <a:lstStyle/>
+          <a:p>
+            <a:endParaRPr lang="en-GB"/>
+          </a:p>
+        </p:txBody>
+      </p:sp>
+      <p:sp>
+        <p:nvSpPr>
+          <p:cNvPr id="17" name="Text Placeholder 16"/>
+          <p:cNvSpPr>
+            <a:spLocks noGrp="1"/>
+          </p:cNvSpPr>
+          <p:nvPr>
+            <p:ph type="body" sz="quarter" idx="13"/>
+          </p:nvPr>
+        </p:nvSpPr>
+        <p:spPr/>
+        <p:txBody>
+          <a:bodyPr/>
+          <a:lstStyle/>
+          <a:p>
+            <a:endParaRPr lang="en-GB"/>
+          </a:p>
+        </p:txBody>
+      </p:sp>
+      <p:sp>
+        <p:nvSpPr>
+          <p:cNvPr id="19" name="Chart Placeholder 18"/>
+          <p:cNvSpPr>
+            <a:spLocks noGrp="1"/>
+          </p:cNvSpPr>
+          <p:nvPr>
+            <p:ph type="chart" sz="quarter" idx="15"/>
+          </p:nvPr>
+        </p:nvSpPr>
+        <p:spPr/>
+      </p:sp>
+      <p:sp>
+        <p:nvSpPr>
+          <p:cNvPr id="2" name="Road Map"/>
+          <p:cNvSpPr txBox="1">
+            <a:spLocks/>
+          </p:cNvSpPr>
+          <p:nvPr/>
+        </p:nvSpPr>
+        <p:spPr>
+          <a:xfrm>
+            <a:off x="495300" y="458089"/>
+            <a:ext cx="7667752" cy="193929"/>
+          </a:xfrm>
+          <a:prstGeom prst="rect">
+            <a:avLst/>
+          </a:prstGeom>
+          <a:noFill/>
+        </p:spPr>
+        <p:txBody>
+          <a:bodyPr vert="horz" wrap="square" lIns="0" tIns="0" rIns="0" bIns="0" rtlCol="0" anchor="t">
+            <a:spAutoFit/>
+          </a:bodyPr>
+          <a:lstStyle/>
+          <a:p>
+            <a:pPr>
+              <a:lnSpc>
+                <a:spcPct val="90000"/>
+              </a:lnSpc>
+              <a:spcAft>
+                <a:spcPts val="300"/>
+              </a:spcAft>
+            </a:pPr>
+            <a:r>
+              <a:rPr lang="en-US" sz="1400" b="1" spc="100" dirty="0" smtClean="0">
+                <a:solidFill>
+                  <a:srgbClr val="007266"/>
+                </a:solidFill>
+                <a:latin typeface="Corbel" panose="020B0503020204020204" pitchFamily="34" charset="0"/>
+              </a:rPr>
+              <a:t>Road Map</a:t>
+            </a:r>
+            <a:endParaRPr lang="en-US" sz="1400" b="1" spc="100" dirty="0">
+              <a:solidFill>
+                <a:srgbClr val="007266"/>
+              </a:solidFill>
+              <a:latin typeface="Corbel" panose="020B0503020204020204" pitchFamily="34" charset="0"/>
+            </a:endParaRPr>
+          </a:p>
+        </p:txBody>
+      </p:sp>
+      <p:sp>
+        <p:nvSpPr>
+          <p:cNvPr id="3" name="Source Box"/>
+          <p:cNvSpPr txBox="1">
+            <a:spLocks/>
+          </p:cNvSpPr>
+          <p:nvPr/>
+        </p:nvSpPr>
+        <p:spPr>
+          <a:xfrm>
+            <a:off x="493776" y="6528816"/>
+            <a:ext cx="8353425" cy="110744"/>
+          </a:xfrm>
+          <a:prstGeom prst="rect">
+            <a:avLst/>
+          </a:prstGeom>
+          <a:noFill/>
+        </p:spPr>
+        <p:txBody>
+          <a:bodyPr vert="horz" wrap="square" lIns="0" tIns="0" rIns="0" bIns="0" rtlCol="0" anchor="b">
+            <a:spAutoFit/>
+          </a:bodyPr>
+          <a:lstStyle/>
+          <a:p>
+            <a:pPr hangingPunct="0">
+              <a:lnSpc>
+                <a:spcPct val="90000"/>
+              </a:lnSpc>
+              <a:spcAft>
+                <a:spcPts val="300"/>
+              </a:spcAft>
+            </a:pPr>
+            <a:r>
+              <a:rPr lang="en-US" sz="800" smtClean="0">
+                <a:solidFill>
+                  <a:srgbClr val="1E2A39"/>
+                </a:solidFill>
+                <a:latin typeface="Corbel" panose="020B0503020204020204" pitchFamily="34" charset="0"/>
+              </a:rPr>
+              <a:t>Source:</a:t>
+            </a:r>
+            <a:endParaRPr lang="en-US" sz="800">
+              <a:solidFill>
+                <a:srgbClr val="1E2A39"/>
+              </a:solidFill>
+              <a:latin typeface="Corbel" panose="020B0503020204020204" pitchFamily="34" charset="0"/>
+            </a:endParaRPr>
+          </a:p>
+        </p:txBody>
+      </p:sp>
+    </p:spTree>
+    <p:extLst>
+      <p:ext uri="{BB962C8B-B14F-4D97-AF65-F5344CB8AC3E}">
+        <p14:creationId xmlns:p14="http://schemas.microsoft.com/office/powerpoint/2010/main" val="3724317120"/>
+      </p:ext>
+    </p:extLst>
+  </p:cSld>
+  <p:clrMapOvr>
+    <a:masterClrMapping/>
+  </p:clrMapOvr>
 </p:sld>
 </file>
 
@@ -7302,7 +9285,7 @@
   </a:custClrLst>
   <a:extLst>
     <a:ext uri="{05A4C25C-085E-4340-85A3-A5531E510DB2}">
-      <thm15:themeFamily xmlns="" xmlns:thm15="http://schemas.microsoft.com/office/thememl/2012/main" name="Office Theme" id="{62F939B6-93AF-4DB8-9C6B-D6C7DFDC589F}" vid="{4A3C46E8-61CC-4603-A589-7422A47A8E4A}"/>
+      <thm15:themeFamily xmlns:thm15="http://schemas.microsoft.com/office/thememl/2012/main" name="Office Theme" id="{62F939B6-93AF-4DB8-9C6B-D6C7DFDC589F}" vid="{4A3C46E8-61CC-4603-A589-7422A47A8E4A}"/>
     </a:ext>
   </a:extLst>
 </a:theme>
